--- a/Jogo da velha MinMax com poda.pptx
+++ b/Jogo da velha MinMax com poda.pptx
@@ -20,18 +20,19 @@
     <p:sldId id="265" r:id="rId15"/>
     <p:sldId id="266" r:id="rId16"/>
     <p:sldId id="267" r:id="rId17"/>
+    <p:sldId id="268" r:id="rId18"/>
   </p:sldIdLst>
   <p:sldSz cy="5143500" cx="9144000"/>
   <p:notesSz cx="6858000" cy="9144000"/>
   <p:embeddedFontLst>
     <p:embeddedFont>
       <p:font typeface="Average"/>
-      <p:regular r:id="rId18"/>
+      <p:regular r:id="rId19"/>
     </p:embeddedFont>
     <p:embeddedFont>
       <p:font typeface="Oswald"/>
-      <p:regular r:id="rId19"/>
-      <p:bold r:id="rId20"/>
+      <p:regular r:id="rId20"/>
+      <p:bold r:id="rId21"/>
     </p:embeddedFont>
   </p:embeddedFontLst>
   <p:defaultTextStyle>
@@ -812,7 +813,7 @@
   <p:cSld>
     <p:spTree>
       <p:nvGrpSpPr>
-        <p:cNvPr id="112" name="Shape 112"/>
+        <p:cNvPr id="110" name="Shape 110"/>
         <p:cNvGrpSpPr/>
         <p:nvPr/>
       </p:nvGrpSpPr>
@@ -826,7 +827,7 @@
       </p:grpSpPr>
       <p:sp>
         <p:nvSpPr>
-          <p:cNvPr id="113" name="Google Shape;113;g77f2b59e1d_0_42:notes"/>
+          <p:cNvPr id="111" name="Google Shape;111;g77f2b59e1d_0_32:notes"/>
           <p:cNvSpPr/>
           <p:nvPr>
             <p:ph idx="2" type="sldImg"/>
@@ -861,7 +862,7 @@
       </p:sp>
       <p:sp>
         <p:nvSpPr>
-          <p:cNvPr id="114" name="Google Shape;114;g77f2b59e1d_0_42:notes"/>
+          <p:cNvPr id="112" name="Google Shape;112;g77f2b59e1d_0_32:notes"/>
           <p:cNvSpPr txBox="1"/>
           <p:nvPr>
             <p:ph idx="1" type="body"/>
@@ -911,7 +912,7 @@
   <p:cSld>
     <p:spTree>
       <p:nvGrpSpPr>
-        <p:cNvPr id="120" name="Shape 120"/>
+        <p:cNvPr id="118" name="Shape 118"/>
         <p:cNvGrpSpPr/>
         <p:nvPr/>
       </p:nvGrpSpPr>
@@ -925,7 +926,7 @@
       </p:grpSpPr>
       <p:sp>
         <p:nvSpPr>
-          <p:cNvPr id="121" name="Google Shape;121;g77f2b59e1d_0_57:notes"/>
+          <p:cNvPr id="119" name="Google Shape;119;g77f2b59e1d_0_42:notes"/>
           <p:cNvSpPr/>
           <p:nvPr>
             <p:ph idx="2" type="sldImg"/>
@@ -960,7 +961,7 @@
       </p:sp>
       <p:sp>
         <p:nvSpPr>
-          <p:cNvPr id="122" name="Google Shape;122;g77f2b59e1d_0_57:notes"/>
+          <p:cNvPr id="120" name="Google Shape;120;g77f2b59e1d_0_42:notes"/>
           <p:cNvSpPr txBox="1"/>
           <p:nvPr>
             <p:ph idx="1" type="body"/>
@@ -1010,7 +1011,7 @@
   <p:cSld>
     <p:spTree>
       <p:nvGrpSpPr>
-        <p:cNvPr id="129" name="Shape 129"/>
+        <p:cNvPr id="126" name="Shape 126"/>
         <p:cNvGrpSpPr/>
         <p:nvPr/>
       </p:nvGrpSpPr>
@@ -1024,7 +1025,7 @@
       </p:grpSpPr>
       <p:sp>
         <p:nvSpPr>
-          <p:cNvPr id="130" name="Google Shape;130;g77f2b59e1d_1_3:notes"/>
+          <p:cNvPr id="127" name="Google Shape;127;g77f2b59e1d_0_57:notes"/>
           <p:cNvSpPr/>
           <p:nvPr>
             <p:ph idx="2" type="sldImg"/>
@@ -1059,7 +1060,7 @@
       </p:sp>
       <p:sp>
         <p:nvSpPr>
-          <p:cNvPr id="131" name="Google Shape;131;g77f2b59e1d_1_3:notes"/>
+          <p:cNvPr id="128" name="Google Shape;128;g77f2b59e1d_0_57:notes"/>
           <p:cNvSpPr txBox="1"/>
           <p:nvPr>
             <p:ph idx="1" type="body"/>
@@ -1104,12 +1105,12 @@
 </p:notes>
 </file>
 
-<file path=ppt/notesSlides/notesSlide2.xml><?xml version="1.0" encoding="utf-8"?>
+<file path=ppt/notesSlides/notesSlide13.xml><?xml version="1.0" encoding="utf-8"?>
 <p:notes xmlns:a="http://schemas.openxmlformats.org/drawingml/2006/main" xmlns:r="http://schemas.openxmlformats.org/officeDocument/2006/relationships" xmlns:mc="http://schemas.openxmlformats.org/markup-compatibility/2006" xmlns:mv="urn:schemas-microsoft-com:mac:vml" xmlns:p="http://schemas.openxmlformats.org/presentationml/2006/main" xmlns:c="http://schemas.openxmlformats.org/drawingml/2006/chart" xmlns:dgm="http://schemas.openxmlformats.org/drawingml/2006/diagram" xmlns:o="urn:schemas-microsoft-com:office:office" xmlns:v="urn:schemas-microsoft-com:vml" xmlns:pvml="urn:schemas-microsoft-com:office:powerpoint" xmlns:com="http://schemas.openxmlformats.org/drawingml/2006/compatibility" xmlns:p14="http://schemas.microsoft.com/office/powerpoint/2010/main" xmlns:p15="http://schemas.microsoft.com/office/powerpoint/2012/main" showMasterPhAnim="0" showMasterSp="0">
   <p:cSld>
     <p:spTree>
       <p:nvGrpSpPr>
-        <p:cNvPr id="60" name="Shape 60"/>
+        <p:cNvPr id="135" name="Shape 135"/>
         <p:cNvGrpSpPr/>
         <p:nvPr/>
       </p:nvGrpSpPr>
@@ -1123,7 +1124,205 @@
       </p:grpSpPr>
       <p:sp>
         <p:nvSpPr>
-          <p:cNvPr id="61" name="Google Shape;61;gc6f980f91_0_5:notes"/>
+          <p:cNvPr id="136" name="Google Shape;136;g77f2b59e1d_1_3:notes"/>
+          <p:cNvSpPr/>
+          <p:nvPr>
+            <p:ph idx="2" type="sldImg"/>
+          </p:nvPr>
+        </p:nvSpPr>
+        <p:spPr>
+          <a:xfrm>
+            <a:off x="381300" y="685800"/>
+            <a:ext cx="6096000" cy="3429000"/>
+          </a:xfrm>
+          <a:custGeom>
+            <a:rect b="b" l="l" r="r" t="t"/>
+            <a:pathLst>
+              <a:path extrusionOk="0" h="120000" w="120000">
+                <a:moveTo>
+                  <a:pt x="0" y="0"/>
+                </a:moveTo>
+                <a:lnTo>
+                  <a:pt x="120000" y="0"/>
+                </a:lnTo>
+                <a:lnTo>
+                  <a:pt x="120000" y="120000"/>
+                </a:lnTo>
+                <a:lnTo>
+                  <a:pt x="0" y="120000"/>
+                </a:lnTo>
+                <a:close/>
+              </a:path>
+            </a:pathLst>
+          </a:custGeom>
+        </p:spPr>
+      </p:sp>
+      <p:sp>
+        <p:nvSpPr>
+          <p:cNvPr id="137" name="Google Shape;137;g77f2b59e1d_1_3:notes"/>
+          <p:cNvSpPr txBox="1"/>
+          <p:nvPr>
+            <p:ph idx="1" type="body"/>
+          </p:nvPr>
+        </p:nvSpPr>
+        <p:spPr>
+          <a:xfrm>
+            <a:off x="685800" y="4343400"/>
+            <a:ext cx="5486400" cy="4114800"/>
+          </a:xfrm>
+          <a:prstGeom prst="rect">
+            <a:avLst/>
+          </a:prstGeom>
+        </p:spPr>
+        <p:txBody>
+          <a:bodyPr anchorCtr="0" anchor="t" bIns="91425" lIns="91425" spcFirstLastPara="1" rIns="91425" wrap="square" tIns="91425">
+            <a:noAutofit/>
+          </a:bodyPr>
+          <a:lstStyle/>
+          <a:p>
+            <a:pPr indent="0" lvl="0" marL="0" rtl="0" algn="l">
+              <a:spcBef>
+                <a:spcPts val="0"/>
+              </a:spcBef>
+              <a:spcAft>
+                <a:spcPts val="0"/>
+              </a:spcAft>
+              <a:buNone/>
+            </a:pPr>
+            <a:r>
+              <a:t/>
+            </a:r>
+            <a:endParaRPr/>
+          </a:p>
+        </p:txBody>
+      </p:sp>
+    </p:spTree>
+  </p:cSld>
+  <p:clrMapOvr>
+    <a:masterClrMapping/>
+  </p:clrMapOvr>
+</p:notes>
+</file>
+
+<file path=ppt/notesSlides/notesSlide2.xml><?xml version="1.0" encoding="utf-8"?>
+<p:notes xmlns:a="http://schemas.openxmlformats.org/drawingml/2006/main" xmlns:r="http://schemas.openxmlformats.org/officeDocument/2006/relationships" xmlns:mc="http://schemas.openxmlformats.org/markup-compatibility/2006" xmlns:mv="urn:schemas-microsoft-com:mac:vml" xmlns:p="http://schemas.openxmlformats.org/presentationml/2006/main" xmlns:c="http://schemas.openxmlformats.org/drawingml/2006/chart" xmlns:dgm="http://schemas.openxmlformats.org/drawingml/2006/diagram" xmlns:o="urn:schemas-microsoft-com:office:office" xmlns:v="urn:schemas-microsoft-com:vml" xmlns:pvml="urn:schemas-microsoft-com:office:powerpoint" xmlns:com="http://schemas.openxmlformats.org/drawingml/2006/compatibility" xmlns:p14="http://schemas.microsoft.com/office/powerpoint/2010/main" xmlns:p15="http://schemas.microsoft.com/office/powerpoint/2012/main" showMasterPhAnim="0" showMasterSp="0">
+  <p:cSld>
+    <p:spTree>
+      <p:nvGrpSpPr>
+        <p:cNvPr id="61" name="Shape 61"/>
+        <p:cNvGrpSpPr/>
+        <p:nvPr/>
+      </p:nvGrpSpPr>
+      <p:grpSpPr>
+        <a:xfrm>
+          <a:off x="0" y="0"/>
+          <a:ext cx="0" cy="0"/>
+          <a:chOff x="0" y="0"/>
+          <a:chExt cx="0" cy="0"/>
+        </a:xfrm>
+      </p:grpSpPr>
+      <p:sp>
+        <p:nvSpPr>
+          <p:cNvPr id="62" name="Google Shape;62;g77f2b59e1d_1_25:notes"/>
+          <p:cNvSpPr/>
+          <p:nvPr>
+            <p:ph idx="2" type="sldImg"/>
+          </p:nvPr>
+        </p:nvSpPr>
+        <p:spPr>
+          <a:xfrm>
+            <a:off x="381300" y="685800"/>
+            <a:ext cx="6096000" cy="3429000"/>
+          </a:xfrm>
+          <a:custGeom>
+            <a:rect b="b" l="l" r="r" t="t"/>
+            <a:pathLst>
+              <a:path extrusionOk="0" h="120000" w="120000">
+                <a:moveTo>
+                  <a:pt x="0" y="0"/>
+                </a:moveTo>
+                <a:lnTo>
+                  <a:pt x="120000" y="0"/>
+                </a:lnTo>
+                <a:lnTo>
+                  <a:pt x="120000" y="120000"/>
+                </a:lnTo>
+                <a:lnTo>
+                  <a:pt x="0" y="120000"/>
+                </a:lnTo>
+                <a:close/>
+              </a:path>
+            </a:pathLst>
+          </a:custGeom>
+        </p:spPr>
+      </p:sp>
+      <p:sp>
+        <p:nvSpPr>
+          <p:cNvPr id="63" name="Google Shape;63;g77f2b59e1d_1_25:notes"/>
+          <p:cNvSpPr txBox="1"/>
+          <p:nvPr>
+            <p:ph idx="1" type="body"/>
+          </p:nvPr>
+        </p:nvSpPr>
+        <p:spPr>
+          <a:xfrm>
+            <a:off x="685800" y="4343400"/>
+            <a:ext cx="5486400" cy="4114800"/>
+          </a:xfrm>
+          <a:prstGeom prst="rect">
+            <a:avLst/>
+          </a:prstGeom>
+        </p:spPr>
+        <p:txBody>
+          <a:bodyPr anchorCtr="0" anchor="t" bIns="91425" lIns="91425" spcFirstLastPara="1" rIns="91425" wrap="square" tIns="91425">
+            <a:noAutofit/>
+          </a:bodyPr>
+          <a:lstStyle/>
+          <a:p>
+            <a:pPr indent="0" lvl="0" marL="0" rtl="0" algn="l">
+              <a:spcBef>
+                <a:spcPts val="0"/>
+              </a:spcBef>
+              <a:spcAft>
+                <a:spcPts val="0"/>
+              </a:spcAft>
+              <a:buNone/>
+            </a:pPr>
+            <a:r>
+              <a:t/>
+            </a:r>
+            <a:endParaRPr/>
+          </a:p>
+        </p:txBody>
+      </p:sp>
+    </p:spTree>
+  </p:cSld>
+  <p:clrMapOvr>
+    <a:masterClrMapping/>
+  </p:clrMapOvr>
+</p:notes>
+</file>
+
+<file path=ppt/notesSlides/notesSlide3.xml><?xml version="1.0" encoding="utf-8"?>
+<p:notes xmlns:a="http://schemas.openxmlformats.org/drawingml/2006/main" xmlns:r="http://schemas.openxmlformats.org/officeDocument/2006/relationships" xmlns:mc="http://schemas.openxmlformats.org/markup-compatibility/2006" xmlns:mv="urn:schemas-microsoft-com:mac:vml" xmlns:p="http://schemas.openxmlformats.org/presentationml/2006/main" xmlns:c="http://schemas.openxmlformats.org/drawingml/2006/chart" xmlns:dgm="http://schemas.openxmlformats.org/drawingml/2006/diagram" xmlns:o="urn:schemas-microsoft-com:office:office" xmlns:v="urn:schemas-microsoft-com:vml" xmlns:pvml="urn:schemas-microsoft-com:office:powerpoint" xmlns:com="http://schemas.openxmlformats.org/drawingml/2006/compatibility" xmlns:p14="http://schemas.microsoft.com/office/powerpoint/2010/main" xmlns:p15="http://schemas.microsoft.com/office/powerpoint/2012/main" showMasterPhAnim="0" showMasterSp="0">
+  <p:cSld>
+    <p:spTree>
+      <p:nvGrpSpPr>
+        <p:cNvPr id="66" name="Shape 66"/>
+        <p:cNvGrpSpPr/>
+        <p:nvPr/>
+      </p:nvGrpSpPr>
+      <p:grpSpPr>
+        <a:xfrm>
+          <a:off x="0" y="0"/>
+          <a:ext cx="0" cy="0"/>
+          <a:chOff x="0" y="0"/>
+          <a:chExt cx="0" cy="0"/>
+        </a:xfrm>
+      </p:grpSpPr>
+      <p:sp>
+        <p:nvSpPr>
+          <p:cNvPr id="67" name="Google Shape;67;gc6f980f91_0_5:notes"/>
           <p:cNvSpPr/>
           <p:nvPr>
             <p:ph idx="2" type="sldImg"/>
@@ -1158,7 +1357,7 @@
       </p:sp>
       <p:sp>
         <p:nvSpPr>
-          <p:cNvPr id="62" name="Google Shape;62;gc6f980f91_0_5:notes"/>
+          <p:cNvPr id="68" name="Google Shape;68;gc6f980f91_0_5:notes"/>
           <p:cNvSpPr txBox="1"/>
           <p:nvPr>
             <p:ph idx="1" type="body"/>
@@ -1203,12 +1402,12 @@
 </p:notes>
 </file>
 
-<file path=ppt/notesSlides/notesSlide3.xml><?xml version="1.0" encoding="utf-8"?>
+<file path=ppt/notesSlides/notesSlide4.xml><?xml version="1.0" encoding="utf-8"?>
 <p:notes xmlns:a="http://schemas.openxmlformats.org/drawingml/2006/main" xmlns:r="http://schemas.openxmlformats.org/officeDocument/2006/relationships" xmlns:mc="http://schemas.openxmlformats.org/markup-compatibility/2006" xmlns:mv="urn:schemas-microsoft-com:mac:vml" xmlns:p="http://schemas.openxmlformats.org/presentationml/2006/main" xmlns:c="http://schemas.openxmlformats.org/drawingml/2006/chart" xmlns:dgm="http://schemas.openxmlformats.org/drawingml/2006/diagram" xmlns:o="urn:schemas-microsoft-com:office:office" xmlns:v="urn:schemas-microsoft-com:vml" xmlns:pvml="urn:schemas-microsoft-com:office:powerpoint" xmlns:com="http://schemas.openxmlformats.org/drawingml/2006/compatibility" xmlns:p14="http://schemas.microsoft.com/office/powerpoint/2010/main" xmlns:p15="http://schemas.microsoft.com/office/powerpoint/2012/main" showMasterPhAnim="0" showMasterSp="0">
   <p:cSld>
     <p:spTree>
       <p:nvGrpSpPr>
-        <p:cNvPr id="65" name="Shape 65"/>
+        <p:cNvPr id="71" name="Shape 71"/>
         <p:cNvGrpSpPr/>
         <p:nvPr/>
       </p:nvGrpSpPr>
@@ -1222,7 +1421,7 @@
       </p:grpSpPr>
       <p:sp>
         <p:nvSpPr>
-          <p:cNvPr id="66" name="Google Shape;66;g77f2b59e1d_0_1:notes"/>
+          <p:cNvPr id="72" name="Google Shape;72;g77f2b59e1d_0_1:notes"/>
           <p:cNvSpPr/>
           <p:nvPr>
             <p:ph idx="2" type="sldImg"/>
@@ -1257,7 +1456,7 @@
       </p:sp>
       <p:sp>
         <p:nvSpPr>
-          <p:cNvPr id="67" name="Google Shape;67;g77f2b59e1d_0_1:notes"/>
+          <p:cNvPr id="73" name="Google Shape;73;g77f2b59e1d_0_1:notes"/>
           <p:cNvSpPr txBox="1"/>
           <p:nvPr>
             <p:ph idx="1" type="body"/>
@@ -1302,12 +1501,12 @@
 </p:notes>
 </file>
 
-<file path=ppt/notesSlides/notesSlide4.xml><?xml version="1.0" encoding="utf-8"?>
+<file path=ppt/notesSlides/notesSlide5.xml><?xml version="1.0" encoding="utf-8"?>
 <p:notes xmlns:a="http://schemas.openxmlformats.org/drawingml/2006/main" xmlns:r="http://schemas.openxmlformats.org/officeDocument/2006/relationships" xmlns:mc="http://schemas.openxmlformats.org/markup-compatibility/2006" xmlns:mv="urn:schemas-microsoft-com:mac:vml" xmlns:p="http://schemas.openxmlformats.org/presentationml/2006/main" xmlns:c="http://schemas.openxmlformats.org/drawingml/2006/chart" xmlns:dgm="http://schemas.openxmlformats.org/drawingml/2006/diagram" xmlns:o="urn:schemas-microsoft-com:office:office" xmlns:v="urn:schemas-microsoft-com:vml" xmlns:pvml="urn:schemas-microsoft-com:office:powerpoint" xmlns:com="http://schemas.openxmlformats.org/drawingml/2006/compatibility" xmlns:p14="http://schemas.microsoft.com/office/powerpoint/2010/main" xmlns:p15="http://schemas.microsoft.com/office/powerpoint/2012/main" showMasterPhAnim="0" showMasterSp="0">
   <p:cSld>
     <p:spTree>
       <p:nvGrpSpPr>
-        <p:cNvPr id="73" name="Shape 73"/>
+        <p:cNvPr id="79" name="Shape 79"/>
         <p:cNvGrpSpPr/>
         <p:nvPr/>
       </p:nvGrpSpPr>
@@ -1321,7 +1520,7 @@
       </p:grpSpPr>
       <p:sp>
         <p:nvSpPr>
-          <p:cNvPr id="74" name="Google Shape;74;g77f2b59e1d_0_51:notes"/>
+          <p:cNvPr id="80" name="Google Shape;80;g77f2b59e1d_0_51:notes"/>
           <p:cNvSpPr/>
           <p:nvPr>
             <p:ph idx="2" type="sldImg"/>
@@ -1356,106 +1555,7 @@
       </p:sp>
       <p:sp>
         <p:nvSpPr>
-          <p:cNvPr id="75" name="Google Shape;75;g77f2b59e1d_0_51:notes"/>
-          <p:cNvSpPr txBox="1"/>
-          <p:nvPr>
-            <p:ph idx="1" type="body"/>
-          </p:nvPr>
-        </p:nvSpPr>
-        <p:spPr>
-          <a:xfrm>
-            <a:off x="685800" y="4343400"/>
-            <a:ext cx="5486400" cy="4114800"/>
-          </a:xfrm>
-          <a:prstGeom prst="rect">
-            <a:avLst/>
-          </a:prstGeom>
-        </p:spPr>
-        <p:txBody>
-          <a:bodyPr anchorCtr="0" anchor="t" bIns="91425" lIns="91425" spcFirstLastPara="1" rIns="91425" wrap="square" tIns="91425">
-            <a:noAutofit/>
-          </a:bodyPr>
-          <a:lstStyle/>
-          <a:p>
-            <a:pPr indent="0" lvl="0" marL="0" rtl="0" algn="l">
-              <a:spcBef>
-                <a:spcPts val="0"/>
-              </a:spcBef>
-              <a:spcAft>
-                <a:spcPts val="0"/>
-              </a:spcAft>
-              <a:buNone/>
-            </a:pPr>
-            <a:r>
-              <a:t/>
-            </a:r>
-            <a:endParaRPr/>
-          </a:p>
-        </p:txBody>
-      </p:sp>
-    </p:spTree>
-  </p:cSld>
-  <p:clrMapOvr>
-    <a:masterClrMapping/>
-  </p:clrMapOvr>
-</p:notes>
-</file>
-
-<file path=ppt/notesSlides/notesSlide5.xml><?xml version="1.0" encoding="utf-8"?>
-<p:notes xmlns:a="http://schemas.openxmlformats.org/drawingml/2006/main" xmlns:r="http://schemas.openxmlformats.org/officeDocument/2006/relationships" xmlns:mc="http://schemas.openxmlformats.org/markup-compatibility/2006" xmlns:mv="urn:schemas-microsoft-com:mac:vml" xmlns:p="http://schemas.openxmlformats.org/presentationml/2006/main" xmlns:c="http://schemas.openxmlformats.org/drawingml/2006/chart" xmlns:dgm="http://schemas.openxmlformats.org/drawingml/2006/diagram" xmlns:o="urn:schemas-microsoft-com:office:office" xmlns:v="urn:schemas-microsoft-com:vml" xmlns:pvml="urn:schemas-microsoft-com:office:powerpoint" xmlns:com="http://schemas.openxmlformats.org/drawingml/2006/compatibility" xmlns:p14="http://schemas.microsoft.com/office/powerpoint/2010/main" xmlns:p15="http://schemas.microsoft.com/office/powerpoint/2012/main" showMasterPhAnim="0" showMasterSp="0">
-  <p:cSld>
-    <p:spTree>
-      <p:nvGrpSpPr>
-        <p:cNvPr id="78" name="Shape 78"/>
-        <p:cNvGrpSpPr/>
-        <p:nvPr/>
-      </p:nvGrpSpPr>
-      <p:grpSpPr>
-        <a:xfrm>
-          <a:off x="0" y="0"/>
-          <a:ext cx="0" cy="0"/>
-          <a:chOff x="0" y="0"/>
-          <a:chExt cx="0" cy="0"/>
-        </a:xfrm>
-      </p:grpSpPr>
-      <p:sp>
-        <p:nvSpPr>
-          <p:cNvPr id="79" name="Google Shape;79;g77f2b59e1d_1_11:notes"/>
-          <p:cNvSpPr/>
-          <p:nvPr>
-            <p:ph idx="2" type="sldImg"/>
-          </p:nvPr>
-        </p:nvSpPr>
-        <p:spPr>
-          <a:xfrm>
-            <a:off x="381300" y="685800"/>
-            <a:ext cx="6096000" cy="3429000"/>
-          </a:xfrm>
-          <a:custGeom>
-            <a:rect b="b" l="l" r="r" t="t"/>
-            <a:pathLst>
-              <a:path extrusionOk="0" h="120000" w="120000">
-                <a:moveTo>
-                  <a:pt x="0" y="0"/>
-                </a:moveTo>
-                <a:lnTo>
-                  <a:pt x="120000" y="0"/>
-                </a:lnTo>
-                <a:lnTo>
-                  <a:pt x="120000" y="120000"/>
-                </a:lnTo>
-                <a:lnTo>
-                  <a:pt x="0" y="120000"/>
-                </a:lnTo>
-                <a:close/>
-              </a:path>
-            </a:pathLst>
-          </a:custGeom>
-        </p:spPr>
-      </p:sp>
-      <p:sp>
-        <p:nvSpPr>
-          <p:cNvPr id="80" name="Google Shape;80;g77f2b59e1d_1_11:notes"/>
+          <p:cNvPr id="81" name="Google Shape;81;g77f2b59e1d_0_51:notes"/>
           <p:cNvSpPr txBox="1"/>
           <p:nvPr>
             <p:ph idx="1" type="body"/>
@@ -1519,7 +1619,7 @@
       </p:grpSpPr>
       <p:sp>
         <p:nvSpPr>
-          <p:cNvPr id="85" name="Google Shape;85;g77f2b59e1d_0_17:notes"/>
+          <p:cNvPr id="85" name="Google Shape;85;g77f2b59e1d_1_11:notes"/>
           <p:cNvSpPr/>
           <p:nvPr>
             <p:ph idx="2" type="sldImg"/>
@@ -1554,7 +1654,7 @@
       </p:sp>
       <p:sp>
         <p:nvSpPr>
-          <p:cNvPr id="86" name="Google Shape;86;g77f2b59e1d_0_17:notes"/>
+          <p:cNvPr id="86" name="Google Shape;86;g77f2b59e1d_1_11:notes"/>
           <p:cNvSpPr txBox="1"/>
           <p:nvPr>
             <p:ph idx="1" type="body"/>
@@ -1604,7 +1704,7 @@
   <p:cSld>
     <p:spTree>
       <p:nvGrpSpPr>
-        <p:cNvPr id="91" name="Shape 91"/>
+        <p:cNvPr id="90" name="Shape 90"/>
         <p:cNvGrpSpPr/>
         <p:nvPr/>
       </p:nvGrpSpPr>
@@ -1618,7 +1718,7 @@
       </p:grpSpPr>
       <p:sp>
         <p:nvSpPr>
-          <p:cNvPr id="92" name="Google Shape;92;g77f2b59e1d_0_9:notes"/>
+          <p:cNvPr id="91" name="Google Shape;91;g77f2b59e1d_0_17:notes"/>
           <p:cNvSpPr/>
           <p:nvPr>
             <p:ph idx="2" type="sldImg"/>
@@ -1653,7 +1753,7 @@
       </p:sp>
       <p:sp>
         <p:nvSpPr>
-          <p:cNvPr id="93" name="Google Shape;93;g77f2b59e1d_0_9:notes"/>
+          <p:cNvPr id="92" name="Google Shape;92;g77f2b59e1d_0_17:notes"/>
           <p:cNvSpPr txBox="1"/>
           <p:nvPr>
             <p:ph idx="1" type="body"/>
@@ -1717,7 +1817,7 @@
       </p:grpSpPr>
       <p:sp>
         <p:nvSpPr>
-          <p:cNvPr id="98" name="Google Shape;98;g77f2b59e1d_0_24:notes"/>
+          <p:cNvPr id="98" name="Google Shape;98;g77f2b59e1d_0_9:notes"/>
           <p:cNvSpPr/>
           <p:nvPr>
             <p:ph idx="2" type="sldImg"/>
@@ -1752,7 +1852,7 @@
       </p:sp>
       <p:sp>
         <p:nvSpPr>
-          <p:cNvPr id="99" name="Google Shape;99;g77f2b59e1d_0_24:notes"/>
+          <p:cNvPr id="99" name="Google Shape;99;g77f2b59e1d_0_9:notes"/>
           <p:cNvSpPr txBox="1"/>
           <p:nvPr>
             <p:ph idx="1" type="body"/>
@@ -1802,7 +1902,7 @@
   <p:cSld>
     <p:spTree>
       <p:nvGrpSpPr>
-        <p:cNvPr id="104" name="Shape 104"/>
+        <p:cNvPr id="103" name="Shape 103"/>
         <p:cNvGrpSpPr/>
         <p:nvPr/>
       </p:nvGrpSpPr>
@@ -1816,7 +1916,7 @@
       </p:grpSpPr>
       <p:sp>
         <p:nvSpPr>
-          <p:cNvPr id="105" name="Google Shape;105;g77f2b59e1d_0_32:notes"/>
+          <p:cNvPr id="104" name="Google Shape;104;g77f2b59e1d_0_24:notes"/>
           <p:cNvSpPr/>
           <p:nvPr>
             <p:ph idx="2" type="sldImg"/>
@@ -1851,7 +1951,7 @@
       </p:sp>
       <p:sp>
         <p:nvSpPr>
-          <p:cNvPr id="106" name="Google Shape;106;g77f2b59e1d_0_32:notes"/>
+          <p:cNvPr id="105" name="Google Shape;105;g77f2b59e1d_0_24:notes"/>
           <p:cNvSpPr txBox="1"/>
           <p:nvPr>
             <p:ph idx="1" type="body"/>
@@ -7193,6 +7293,96 @@
           </a:p>
         </p:txBody>
       </p:sp>
+      <p:sp>
+        <p:nvSpPr>
+          <p:cNvPr id="60" name="Google Shape;60;p13"/>
+          <p:cNvSpPr txBox="1"/>
+          <p:nvPr/>
+        </p:nvSpPr>
+        <p:spPr>
+          <a:xfrm>
+            <a:off x="3438000" y="3160475"/>
+            <a:ext cx="2268000" cy="832800"/>
+          </a:xfrm>
+          <a:prstGeom prst="rect">
+            <a:avLst/>
+          </a:prstGeom>
+          <a:noFill/>
+          <a:ln>
+            <a:noFill/>
+          </a:ln>
+        </p:spPr>
+        <p:txBody>
+          <a:bodyPr anchorCtr="0" anchor="t" bIns="91425" lIns="91425" spcFirstLastPara="1" rIns="91425" wrap="square" tIns="91425">
+            <a:noAutofit/>
+          </a:bodyPr>
+          <a:lstStyle/>
+          <a:p>
+            <a:pPr indent="0" lvl="0" marL="0" rtl="0" algn="l">
+              <a:spcBef>
+                <a:spcPts val="0"/>
+              </a:spcBef>
+              <a:spcAft>
+                <a:spcPts val="0"/>
+              </a:spcAft>
+              <a:buNone/>
+            </a:pPr>
+            <a:r>
+              <a:rPr b="1" lang="pt-BR">
+                <a:solidFill>
+                  <a:srgbClr val="FFFFFF"/>
+                </a:solidFill>
+                <a:latin typeface="Average"/>
+                <a:ea typeface="Average"/>
+                <a:cs typeface="Average"/>
+                <a:sym typeface="Average"/>
+              </a:rPr>
+              <a:t>Patrick Barros Lino Vianna</a:t>
+            </a:r>
+            <a:endParaRPr b="1">
+              <a:solidFill>
+                <a:srgbClr val="FFFFFF"/>
+              </a:solidFill>
+              <a:latin typeface="Average"/>
+              <a:ea typeface="Average"/>
+              <a:cs typeface="Average"/>
+              <a:sym typeface="Average"/>
+            </a:endParaRPr>
+          </a:p>
+          <a:p>
+            <a:pPr indent="0" lvl="0" marL="0" rtl="0" algn="l">
+              <a:spcBef>
+                <a:spcPts val="0"/>
+              </a:spcBef>
+              <a:spcAft>
+                <a:spcPts val="0"/>
+              </a:spcAft>
+              <a:buNone/>
+            </a:pPr>
+            <a:r>
+              <a:rPr b="1" lang="pt-BR">
+                <a:solidFill>
+                  <a:srgbClr val="FFFFFF"/>
+                </a:solidFill>
+                <a:latin typeface="Average"/>
+                <a:ea typeface="Average"/>
+                <a:cs typeface="Average"/>
+                <a:sym typeface="Average"/>
+              </a:rPr>
+              <a:t>Ana Beatriz Mendes Nunes</a:t>
+            </a:r>
+            <a:endParaRPr b="1">
+              <a:solidFill>
+                <a:srgbClr val="FFFFFF"/>
+              </a:solidFill>
+              <a:latin typeface="Average"/>
+              <a:ea typeface="Average"/>
+              <a:cs typeface="Average"/>
+              <a:sym typeface="Average"/>
+            </a:endParaRPr>
+          </a:p>
+        </p:txBody>
+      </p:sp>
     </p:spTree>
   </p:cSld>
   <p:clrMapOvr>
@@ -7206,7 +7396,7 @@
   <p:cSld>
     <p:spTree>
       <p:nvGrpSpPr>
-        <p:cNvPr id="115" name="Shape 115"/>
+        <p:cNvPr id="113" name="Shape 113"/>
         <p:cNvGrpSpPr/>
         <p:nvPr/>
       </p:nvGrpSpPr>
@@ -7220,7 +7410,216 @@
       </p:grpSpPr>
       <p:pic>
         <p:nvPicPr>
+          <p:cNvPr id="114" name="Google Shape;114;p22"/>
+          <p:cNvPicPr preferRelativeResize="0"/>
+          <p:nvPr/>
+        </p:nvPicPr>
+        <p:blipFill>
+          <a:blip r:embed="rId3">
+            <a:alphaModFix/>
+          </a:blip>
+          <a:stretch>
+            <a:fillRect/>
+          </a:stretch>
+        </p:blipFill>
+        <p:spPr>
+          <a:xfrm>
+            <a:off x="3143250" y="1414463"/>
+            <a:ext cx="2857500" cy="2314575"/>
+          </a:xfrm>
+          <a:prstGeom prst="rect">
+            <a:avLst/>
+          </a:prstGeom>
+          <a:noFill/>
+          <a:ln>
+            <a:noFill/>
+          </a:ln>
+        </p:spPr>
+      </p:pic>
+      <p:sp>
+        <p:nvSpPr>
+          <p:cNvPr id="115" name="Google Shape;115;p22"/>
+          <p:cNvSpPr/>
+          <p:nvPr/>
+        </p:nvSpPr>
+        <p:spPr>
+          <a:xfrm rot="2700000">
+            <a:off x="4290973" y="1652542"/>
+            <a:ext cx="109036" cy="531603"/>
+          </a:xfrm>
+          <a:prstGeom prst="downArrow">
+            <a:avLst>
+              <a:gd fmla="val 50000" name="adj1"/>
+              <a:gd fmla="val 50000" name="adj2"/>
+            </a:avLst>
+          </a:prstGeom>
+          <a:solidFill>
+            <a:srgbClr val="FF0000"/>
+          </a:solidFill>
+          <a:ln cap="flat" cmpd="sng" w="9525">
+            <a:solidFill>
+              <a:schemeClr val="dk2"/>
+            </a:solidFill>
+            <a:prstDash val="solid"/>
+            <a:round/>
+            <a:headEnd len="sm" w="sm" type="none"/>
+            <a:tailEnd len="sm" w="sm" type="none"/>
+          </a:ln>
+        </p:spPr>
+        <p:txBody>
+          <a:bodyPr anchorCtr="0" anchor="ctr" bIns="91425" lIns="91425" spcFirstLastPara="1" rIns="91425" wrap="square" tIns="91425">
+            <a:noAutofit/>
+          </a:bodyPr>
+          <a:lstStyle/>
+          <a:p>
+            <a:pPr indent="0" lvl="0" marL="0" rtl="0" algn="l">
+              <a:spcBef>
+                <a:spcPts val="0"/>
+              </a:spcBef>
+              <a:spcAft>
+                <a:spcPts val="0"/>
+              </a:spcAft>
+              <a:buNone/>
+            </a:pPr>
+            <a:r>
+              <a:t/>
+            </a:r>
+            <a:endParaRPr/>
+          </a:p>
+        </p:txBody>
+      </p:sp>
+      <p:sp>
+        <p:nvSpPr>
           <p:cNvPr id="116" name="Google Shape;116;p22"/>
+          <p:cNvSpPr/>
+          <p:nvPr/>
+        </p:nvSpPr>
+        <p:spPr>
+          <a:xfrm rot="-2499581">
+            <a:off x="5433498" y="1652509"/>
+            <a:ext cx="109221" cy="531608"/>
+          </a:xfrm>
+          <a:prstGeom prst="downArrow">
+            <a:avLst>
+              <a:gd fmla="val 50000" name="adj1"/>
+              <a:gd fmla="val 50000" name="adj2"/>
+            </a:avLst>
+          </a:prstGeom>
+          <a:solidFill>
+            <a:srgbClr val="FF0000"/>
+          </a:solidFill>
+          <a:ln cap="flat" cmpd="sng" w="9525">
+            <a:solidFill>
+              <a:schemeClr val="dk2"/>
+            </a:solidFill>
+            <a:prstDash val="solid"/>
+            <a:round/>
+            <a:headEnd len="sm" w="sm" type="none"/>
+            <a:tailEnd len="sm" w="sm" type="none"/>
+          </a:ln>
+        </p:spPr>
+        <p:txBody>
+          <a:bodyPr anchorCtr="0" anchor="ctr" bIns="91425" lIns="91425" spcFirstLastPara="1" rIns="91425" wrap="square" tIns="91425">
+            <a:noAutofit/>
+          </a:bodyPr>
+          <a:lstStyle/>
+          <a:p>
+            <a:pPr indent="0" lvl="0" marL="0" rtl="0" algn="l">
+              <a:spcBef>
+                <a:spcPts val="0"/>
+              </a:spcBef>
+              <a:spcAft>
+                <a:spcPts val="0"/>
+              </a:spcAft>
+              <a:buNone/>
+            </a:pPr>
+            <a:r>
+              <a:t/>
+            </a:r>
+            <a:endParaRPr/>
+          </a:p>
+        </p:txBody>
+      </p:sp>
+      <p:sp>
+        <p:nvSpPr>
+          <p:cNvPr id="117" name="Google Shape;117;p22"/>
+          <p:cNvSpPr/>
+          <p:nvPr/>
+        </p:nvSpPr>
+        <p:spPr>
+          <a:xfrm rot="2700000">
+            <a:off x="3642548" y="2270867"/>
+            <a:ext cx="109036" cy="531603"/>
+          </a:xfrm>
+          <a:prstGeom prst="downArrow">
+            <a:avLst>
+              <a:gd fmla="val 50000" name="adj1"/>
+              <a:gd fmla="val 50000" name="adj2"/>
+            </a:avLst>
+          </a:prstGeom>
+          <a:solidFill>
+            <a:srgbClr val="FF0000"/>
+          </a:solidFill>
+          <a:ln cap="flat" cmpd="sng" w="9525">
+            <a:solidFill>
+              <a:schemeClr val="dk2"/>
+            </a:solidFill>
+            <a:prstDash val="solid"/>
+            <a:round/>
+            <a:headEnd len="sm" w="sm" type="none"/>
+            <a:tailEnd len="sm" w="sm" type="none"/>
+          </a:ln>
+        </p:spPr>
+        <p:txBody>
+          <a:bodyPr anchorCtr="0" anchor="ctr" bIns="91425" lIns="91425" spcFirstLastPara="1" rIns="91425" wrap="square" tIns="91425">
+            <a:noAutofit/>
+          </a:bodyPr>
+          <a:lstStyle/>
+          <a:p>
+            <a:pPr indent="0" lvl="0" marL="0" rtl="0" algn="l">
+              <a:spcBef>
+                <a:spcPts val="0"/>
+              </a:spcBef>
+              <a:spcAft>
+                <a:spcPts val="0"/>
+              </a:spcAft>
+              <a:buNone/>
+            </a:pPr>
+            <a:r>
+              <a:t/>
+            </a:r>
+            <a:endParaRPr/>
+          </a:p>
+        </p:txBody>
+      </p:sp>
+    </p:spTree>
+  </p:cSld>
+  <p:clrMapOvr>
+    <a:masterClrMapping/>
+  </p:clrMapOvr>
+</p:sld>
+</file>
+
+<file path=ppt/slides/slide11.xml><?xml version="1.0" encoding="utf-8"?>
+<p:sld xmlns:a="http://schemas.openxmlformats.org/drawingml/2006/main" xmlns:r="http://schemas.openxmlformats.org/officeDocument/2006/relationships" xmlns:mc="http://schemas.openxmlformats.org/markup-compatibility/2006" xmlns:mv="urn:schemas-microsoft-com:mac:vml" xmlns:p="http://schemas.openxmlformats.org/presentationml/2006/main" xmlns:c="http://schemas.openxmlformats.org/drawingml/2006/chart" xmlns:dgm="http://schemas.openxmlformats.org/drawingml/2006/diagram" xmlns:o="urn:schemas-microsoft-com:office:office" xmlns:v="urn:schemas-microsoft-com:vml" xmlns:pvml="urn:schemas-microsoft-com:office:powerpoint" xmlns:com="http://schemas.openxmlformats.org/drawingml/2006/compatibility" xmlns:p14="http://schemas.microsoft.com/office/powerpoint/2010/main" xmlns:p15="http://schemas.microsoft.com/office/powerpoint/2012/main">
+  <p:cSld>
+    <p:spTree>
+      <p:nvGrpSpPr>
+        <p:cNvPr id="121" name="Shape 121"/>
+        <p:cNvGrpSpPr/>
+        <p:nvPr/>
+      </p:nvGrpSpPr>
+      <p:grpSpPr>
+        <a:xfrm>
+          <a:off x="0" y="0"/>
+          <a:ext cx="0" cy="0"/>
+          <a:chOff x="0" y="0"/>
+          <a:chExt cx="0" cy="0"/>
+        </a:xfrm>
+      </p:grpSpPr>
+      <p:pic>
+        <p:nvPicPr>
+          <p:cNvPr id="122" name="Google Shape;122;p23"/>
           <p:cNvPicPr preferRelativeResize="0"/>
           <p:nvPr/>
         </p:nvPicPr>
@@ -7248,7 +7647,7 @@
       </p:pic>
       <p:pic>
         <p:nvPicPr>
-          <p:cNvPr id="117" name="Google Shape;117;p22"/>
+          <p:cNvPr id="123" name="Google Shape;123;p23"/>
           <p:cNvPicPr preferRelativeResize="0"/>
           <p:nvPr/>
         </p:nvPicPr>
@@ -7276,7 +7675,7 @@
       </p:pic>
       <p:sp>
         <p:nvSpPr>
-          <p:cNvPr id="118" name="Google Shape;118;p22"/>
+          <p:cNvPr id="124" name="Google Shape;124;p23"/>
           <p:cNvSpPr txBox="1"/>
           <p:nvPr/>
         </p:nvSpPr>
@@ -7366,7 +7765,7 @@
       </p:sp>
       <p:sp>
         <p:nvSpPr>
-          <p:cNvPr id="119" name="Google Shape;119;p22"/>
+          <p:cNvPr id="125" name="Google Shape;125;p23"/>
           <p:cNvSpPr txBox="1"/>
           <p:nvPr/>
         </p:nvSpPr>
@@ -7430,12 +7829,12 @@
 </p:sld>
 </file>
 
-<file path=ppt/slides/slide11.xml><?xml version="1.0" encoding="utf-8"?>
+<file path=ppt/slides/slide12.xml><?xml version="1.0" encoding="utf-8"?>
 <p:sld xmlns:a="http://schemas.openxmlformats.org/drawingml/2006/main" xmlns:r="http://schemas.openxmlformats.org/officeDocument/2006/relationships" xmlns:mc="http://schemas.openxmlformats.org/markup-compatibility/2006" xmlns:mv="urn:schemas-microsoft-com:mac:vml" xmlns:p="http://schemas.openxmlformats.org/presentationml/2006/main" xmlns:c="http://schemas.openxmlformats.org/drawingml/2006/chart" xmlns:dgm="http://schemas.openxmlformats.org/drawingml/2006/diagram" xmlns:o="urn:schemas-microsoft-com:office:office" xmlns:v="urn:schemas-microsoft-com:vml" xmlns:pvml="urn:schemas-microsoft-com:office:powerpoint" xmlns:com="http://schemas.openxmlformats.org/drawingml/2006/compatibility" xmlns:p14="http://schemas.microsoft.com/office/powerpoint/2010/main" xmlns:p15="http://schemas.microsoft.com/office/powerpoint/2012/main">
   <p:cSld>
     <p:spTree>
       <p:nvGrpSpPr>
-        <p:cNvPr id="123" name="Shape 123"/>
+        <p:cNvPr id="129" name="Shape 129"/>
         <p:cNvGrpSpPr/>
         <p:nvPr/>
       </p:nvGrpSpPr>
@@ -7449,7 +7848,7 @@
       </p:grpSpPr>
       <p:pic>
         <p:nvPicPr>
-          <p:cNvPr id="124" name="Google Shape;124;p23"/>
+          <p:cNvPr id="130" name="Google Shape;130;p24"/>
           <p:cNvPicPr preferRelativeResize="0"/>
           <p:nvPr/>
         </p:nvPicPr>
@@ -7477,7 +7876,7 @@
       </p:pic>
       <p:pic>
         <p:nvPicPr>
-          <p:cNvPr id="125" name="Google Shape;125;p23"/>
+          <p:cNvPr id="131" name="Google Shape;131;p24"/>
           <p:cNvPicPr preferRelativeResize="0"/>
           <p:nvPr/>
         </p:nvPicPr>
@@ -7505,7 +7904,7 @@
       </p:pic>
       <p:sp>
         <p:nvSpPr>
-          <p:cNvPr id="126" name="Google Shape;126;p23"/>
+          <p:cNvPr id="132" name="Google Shape;132;p24"/>
           <p:cNvSpPr txBox="1"/>
           <p:nvPr/>
         </p:nvSpPr>
@@ -7642,7 +8041,7 @@
       </p:sp>
       <p:pic>
         <p:nvPicPr>
-          <p:cNvPr id="127" name="Google Shape;127;p23"/>
+          <p:cNvPr id="133" name="Google Shape;133;p24"/>
           <p:cNvPicPr preferRelativeResize="0"/>
           <p:nvPr/>
         </p:nvPicPr>
@@ -7670,7 +8069,7 @@
       </p:pic>
       <p:pic>
         <p:nvPicPr>
-          <p:cNvPr id="128" name="Google Shape;128;p23"/>
+          <p:cNvPr id="134" name="Google Shape;134;p24"/>
           <p:cNvPicPr preferRelativeResize="0"/>
           <p:nvPr/>
         </p:nvPicPr>
@@ -7710,12 +8109,12 @@
 </p:sld>
 </file>
 
-<file path=ppt/slides/slide12.xml><?xml version="1.0" encoding="utf-8"?>
+<file path=ppt/slides/slide13.xml><?xml version="1.0" encoding="utf-8"?>
 <p:sld xmlns:a="http://schemas.openxmlformats.org/drawingml/2006/main" xmlns:r="http://schemas.openxmlformats.org/officeDocument/2006/relationships" xmlns:mc="http://schemas.openxmlformats.org/markup-compatibility/2006" xmlns:mv="urn:schemas-microsoft-com:mac:vml" xmlns:p="http://schemas.openxmlformats.org/presentationml/2006/main" xmlns:c="http://schemas.openxmlformats.org/drawingml/2006/chart" xmlns:dgm="http://schemas.openxmlformats.org/drawingml/2006/diagram" xmlns:o="urn:schemas-microsoft-com:office:office" xmlns:v="urn:schemas-microsoft-com:vml" xmlns:pvml="urn:schemas-microsoft-com:office:powerpoint" xmlns:com="http://schemas.openxmlformats.org/drawingml/2006/compatibility" xmlns:p14="http://schemas.microsoft.com/office/powerpoint/2010/main" xmlns:p15="http://schemas.microsoft.com/office/powerpoint/2012/main">
   <p:cSld>
     <p:spTree>
       <p:nvGrpSpPr>
-        <p:cNvPr id="132" name="Shape 132"/>
+        <p:cNvPr id="138" name="Shape 138"/>
         <p:cNvGrpSpPr/>
         <p:nvPr/>
       </p:nvGrpSpPr>
@@ -7729,7 +8128,7 @@
       </p:grpSpPr>
       <p:pic>
         <p:nvPicPr>
-          <p:cNvPr id="133" name="Google Shape;133;p24"/>
+          <p:cNvPr id="139" name="Google Shape;139;p25"/>
           <p:cNvPicPr preferRelativeResize="0"/>
           <p:nvPr/>
         </p:nvPicPr>
@@ -7757,7 +8156,7 @@
       </p:pic>
       <p:pic>
         <p:nvPicPr>
-          <p:cNvPr id="134" name="Google Shape;134;p24"/>
+          <p:cNvPr id="140" name="Google Shape;140;p25"/>
           <p:cNvPicPr preferRelativeResize="0"/>
           <p:nvPr/>
         </p:nvPicPr>
@@ -7796,7 +8195,7 @@
   <p:cSld>
     <p:spTree>
       <p:nvGrpSpPr>
-        <p:cNvPr id="63" name="Shape 63"/>
+        <p:cNvPr id="64" name="Shape 64"/>
         <p:cNvGrpSpPr/>
         <p:nvPr/>
       </p:nvGrpSpPr>
@@ -7810,7 +8209,60 @@
       </p:grpSpPr>
       <p:pic>
         <p:nvPicPr>
-          <p:cNvPr id="64" name="Google Shape;64;p14"/>
+          <p:cNvPr id="65" name="Google Shape;65;p14"/>
+          <p:cNvPicPr preferRelativeResize="0"/>
+          <p:nvPr/>
+        </p:nvPicPr>
+        <p:blipFill>
+          <a:blip r:embed="rId3">
+            <a:alphaModFix/>
+          </a:blip>
+          <a:stretch>
+            <a:fillRect/>
+          </a:stretch>
+        </p:blipFill>
+        <p:spPr>
+          <a:xfrm>
+            <a:off x="3214688" y="1233488"/>
+            <a:ext cx="2714625" cy="2676525"/>
+          </a:xfrm>
+          <a:prstGeom prst="rect">
+            <a:avLst/>
+          </a:prstGeom>
+          <a:noFill/>
+          <a:ln>
+            <a:noFill/>
+          </a:ln>
+        </p:spPr>
+      </p:pic>
+    </p:spTree>
+  </p:cSld>
+  <p:clrMapOvr>
+    <a:masterClrMapping/>
+  </p:clrMapOvr>
+</p:sld>
+</file>
+
+<file path=ppt/slides/slide3.xml><?xml version="1.0" encoding="utf-8"?>
+<p:sld xmlns:a="http://schemas.openxmlformats.org/drawingml/2006/main" xmlns:r="http://schemas.openxmlformats.org/officeDocument/2006/relationships" xmlns:mc="http://schemas.openxmlformats.org/markup-compatibility/2006" xmlns:mv="urn:schemas-microsoft-com:mac:vml" xmlns:p="http://schemas.openxmlformats.org/presentationml/2006/main" xmlns:c="http://schemas.openxmlformats.org/drawingml/2006/chart" xmlns:dgm="http://schemas.openxmlformats.org/drawingml/2006/diagram" xmlns:o="urn:schemas-microsoft-com:office:office" xmlns:v="urn:schemas-microsoft-com:vml" xmlns:pvml="urn:schemas-microsoft-com:office:powerpoint" xmlns:com="http://schemas.openxmlformats.org/drawingml/2006/compatibility" xmlns:p14="http://schemas.microsoft.com/office/powerpoint/2010/main" xmlns:p15="http://schemas.microsoft.com/office/powerpoint/2012/main">
+  <p:cSld>
+    <p:spTree>
+      <p:nvGrpSpPr>
+        <p:cNvPr id="69" name="Shape 69"/>
+        <p:cNvGrpSpPr/>
+        <p:nvPr/>
+      </p:nvGrpSpPr>
+      <p:grpSpPr>
+        <a:xfrm>
+          <a:off x="0" y="0"/>
+          <a:ext cx="0" cy="0"/>
+          <a:chOff x="0" y="0"/>
+          <a:chExt cx="0" cy="0"/>
+        </a:xfrm>
+      </p:grpSpPr>
+      <p:pic>
+        <p:nvPicPr>
+          <p:cNvPr id="70" name="Google Shape;70;p15"/>
           <p:cNvPicPr preferRelativeResize="0"/>
           <p:nvPr/>
         </p:nvPicPr>
@@ -7844,12 +8296,12 @@
 </p:sld>
 </file>
 
-<file path=ppt/slides/slide3.xml><?xml version="1.0" encoding="utf-8"?>
+<file path=ppt/slides/slide4.xml><?xml version="1.0" encoding="utf-8"?>
 <p:sld xmlns:a="http://schemas.openxmlformats.org/drawingml/2006/main" xmlns:r="http://schemas.openxmlformats.org/officeDocument/2006/relationships" xmlns:mc="http://schemas.openxmlformats.org/markup-compatibility/2006" xmlns:mv="urn:schemas-microsoft-com:mac:vml" xmlns:p="http://schemas.openxmlformats.org/presentationml/2006/main" xmlns:c="http://schemas.openxmlformats.org/drawingml/2006/chart" xmlns:dgm="http://schemas.openxmlformats.org/drawingml/2006/diagram" xmlns:o="urn:schemas-microsoft-com:office:office" xmlns:v="urn:schemas-microsoft-com:vml" xmlns:pvml="urn:schemas-microsoft-com:office:powerpoint" xmlns:com="http://schemas.openxmlformats.org/drawingml/2006/compatibility" xmlns:p14="http://schemas.microsoft.com/office/powerpoint/2010/main" xmlns:p15="http://schemas.microsoft.com/office/powerpoint/2012/main">
   <p:cSld>
     <p:spTree>
       <p:nvGrpSpPr>
-        <p:cNvPr id="68" name="Shape 68"/>
+        <p:cNvPr id="74" name="Shape 74"/>
         <p:cNvGrpSpPr/>
         <p:nvPr/>
       </p:nvGrpSpPr>
@@ -7863,7 +8315,7 @@
       </p:grpSpPr>
       <p:pic>
         <p:nvPicPr>
-          <p:cNvPr id="69" name="Google Shape;69;p15"/>
+          <p:cNvPr id="75" name="Google Shape;75;p16"/>
           <p:cNvPicPr preferRelativeResize="0"/>
           <p:nvPr/>
         </p:nvPicPr>
@@ -7891,7 +8343,7 @@
       </p:pic>
       <p:pic>
         <p:nvPicPr>
-          <p:cNvPr id="70" name="Google Shape;70;p15"/>
+          <p:cNvPr id="76" name="Google Shape;76;p16"/>
           <p:cNvPicPr preferRelativeResize="0"/>
           <p:nvPr/>
         </p:nvPicPr>
@@ -7919,7 +8371,7 @@
       </p:pic>
       <p:sp>
         <p:nvSpPr>
-          <p:cNvPr id="71" name="Google Shape;71;p15"/>
+          <p:cNvPr id="77" name="Google Shape;77;p16"/>
           <p:cNvSpPr txBox="1"/>
           <p:nvPr/>
         </p:nvSpPr>
@@ -7977,7 +8429,7 @@
       </p:sp>
       <p:sp>
         <p:nvSpPr>
-          <p:cNvPr id="72" name="Google Shape;72;p15"/>
+          <p:cNvPr id="78" name="Google Shape;78;p16"/>
           <p:cNvSpPr txBox="1"/>
           <p:nvPr/>
         </p:nvSpPr>
@@ -8167,12 +8619,12 @@
 </p:sld>
 </file>
 
-<file path=ppt/slides/slide4.xml><?xml version="1.0" encoding="utf-8"?>
+<file path=ppt/slides/slide5.xml><?xml version="1.0" encoding="utf-8"?>
 <p:sld xmlns:a="http://schemas.openxmlformats.org/drawingml/2006/main" xmlns:r="http://schemas.openxmlformats.org/officeDocument/2006/relationships" xmlns:mc="http://schemas.openxmlformats.org/markup-compatibility/2006" xmlns:mv="urn:schemas-microsoft-com:mac:vml" xmlns:p="http://schemas.openxmlformats.org/presentationml/2006/main" xmlns:c="http://schemas.openxmlformats.org/drawingml/2006/chart" xmlns:dgm="http://schemas.openxmlformats.org/drawingml/2006/diagram" xmlns:o="urn:schemas-microsoft-com:office:office" xmlns:v="urn:schemas-microsoft-com:vml" xmlns:pvml="urn:schemas-microsoft-com:office:powerpoint" xmlns:com="http://schemas.openxmlformats.org/drawingml/2006/compatibility" xmlns:p14="http://schemas.microsoft.com/office/powerpoint/2010/main" xmlns:p15="http://schemas.microsoft.com/office/powerpoint/2012/main">
   <p:cSld>
     <p:spTree>
       <p:nvGrpSpPr>
-        <p:cNvPr id="76" name="Shape 76"/>
+        <p:cNvPr id="82" name="Shape 82"/>
         <p:cNvGrpSpPr/>
         <p:nvPr/>
       </p:nvGrpSpPr>
@@ -8186,7 +8638,7 @@
       </p:grpSpPr>
       <p:pic>
         <p:nvPicPr>
-          <p:cNvPr id="77" name="Google Shape;77;p16"/>
+          <p:cNvPr id="83" name="Google Shape;83;p17"/>
           <p:cNvPicPr preferRelativeResize="0"/>
           <p:nvPr/>
         </p:nvPicPr>
@@ -8202,87 +8654,6 @@
           <a:xfrm>
             <a:off x="1520412" y="955287"/>
             <a:ext cx="6103175" cy="3232925"/>
-          </a:xfrm>
-          <a:prstGeom prst="rect">
-            <a:avLst/>
-          </a:prstGeom>
-          <a:noFill/>
-          <a:ln>
-            <a:noFill/>
-          </a:ln>
-        </p:spPr>
-      </p:pic>
-    </p:spTree>
-  </p:cSld>
-  <p:clrMapOvr>
-    <a:masterClrMapping/>
-  </p:clrMapOvr>
-</p:sld>
-</file>
-
-<file path=ppt/slides/slide5.xml><?xml version="1.0" encoding="utf-8"?>
-<p:sld xmlns:a="http://schemas.openxmlformats.org/drawingml/2006/main" xmlns:r="http://schemas.openxmlformats.org/officeDocument/2006/relationships" xmlns:mc="http://schemas.openxmlformats.org/markup-compatibility/2006" xmlns:mv="urn:schemas-microsoft-com:mac:vml" xmlns:p="http://schemas.openxmlformats.org/presentationml/2006/main" xmlns:c="http://schemas.openxmlformats.org/drawingml/2006/chart" xmlns:dgm="http://schemas.openxmlformats.org/drawingml/2006/diagram" xmlns:o="urn:schemas-microsoft-com:office:office" xmlns:v="urn:schemas-microsoft-com:vml" xmlns:pvml="urn:schemas-microsoft-com:office:powerpoint" xmlns:com="http://schemas.openxmlformats.org/drawingml/2006/compatibility" xmlns:p14="http://schemas.microsoft.com/office/powerpoint/2010/main" xmlns:p15="http://schemas.microsoft.com/office/powerpoint/2012/main">
-  <p:cSld>
-    <p:spTree>
-      <p:nvGrpSpPr>
-        <p:cNvPr id="81" name="Shape 81"/>
-        <p:cNvGrpSpPr/>
-        <p:nvPr/>
-      </p:nvGrpSpPr>
-      <p:grpSpPr>
-        <a:xfrm>
-          <a:off x="0" y="0"/>
-          <a:ext cx="0" cy="0"/>
-          <a:chOff x="0" y="0"/>
-          <a:chExt cx="0" cy="0"/>
-        </a:xfrm>
-      </p:grpSpPr>
-      <p:pic>
-        <p:nvPicPr>
-          <p:cNvPr id="82" name="Google Shape;82;p17"/>
-          <p:cNvPicPr preferRelativeResize="0"/>
-          <p:nvPr/>
-        </p:nvPicPr>
-        <p:blipFill>
-          <a:blip r:embed="rId3">
-            <a:alphaModFix/>
-          </a:blip>
-          <a:stretch>
-            <a:fillRect/>
-          </a:stretch>
-        </p:blipFill>
-        <p:spPr>
-          <a:xfrm>
-            <a:off x="465575" y="152400"/>
-            <a:ext cx="8212851" cy="4838699"/>
-          </a:xfrm>
-          <a:prstGeom prst="rect">
-            <a:avLst/>
-          </a:prstGeom>
-          <a:noFill/>
-          <a:ln>
-            <a:noFill/>
-          </a:ln>
-        </p:spPr>
-      </p:pic>
-      <p:pic>
-        <p:nvPicPr>
-          <p:cNvPr id="83" name="Google Shape;83;p17"/>
-          <p:cNvPicPr preferRelativeResize="0"/>
-          <p:nvPr/>
-        </p:nvPicPr>
-        <p:blipFill>
-          <a:blip r:embed="rId4">
-            <a:alphaModFix/>
-          </a:blip>
-          <a:stretch>
-            <a:fillRect/>
-          </a:stretch>
-        </p:blipFill>
-        <p:spPr>
-          <a:xfrm>
-            <a:off x="6259821" y="1236421"/>
-            <a:ext cx="1917250" cy="1890350"/>
           </a:xfrm>
           <a:prstGeom prst="rect">
             <a:avLst/>
@@ -8334,6 +8705,87 @@
         </p:blipFill>
         <p:spPr>
           <a:xfrm>
+            <a:off x="465575" y="152400"/>
+            <a:ext cx="8212851" cy="4838699"/>
+          </a:xfrm>
+          <a:prstGeom prst="rect">
+            <a:avLst/>
+          </a:prstGeom>
+          <a:noFill/>
+          <a:ln>
+            <a:noFill/>
+          </a:ln>
+        </p:spPr>
+      </p:pic>
+      <p:pic>
+        <p:nvPicPr>
+          <p:cNvPr id="89" name="Google Shape;89;p18"/>
+          <p:cNvPicPr preferRelativeResize="0"/>
+          <p:nvPr/>
+        </p:nvPicPr>
+        <p:blipFill>
+          <a:blip r:embed="rId4">
+            <a:alphaModFix/>
+          </a:blip>
+          <a:stretch>
+            <a:fillRect/>
+          </a:stretch>
+        </p:blipFill>
+        <p:spPr>
+          <a:xfrm>
+            <a:off x="6259821" y="1236421"/>
+            <a:ext cx="1917250" cy="1890350"/>
+          </a:xfrm>
+          <a:prstGeom prst="rect">
+            <a:avLst/>
+          </a:prstGeom>
+          <a:noFill/>
+          <a:ln>
+            <a:noFill/>
+          </a:ln>
+        </p:spPr>
+      </p:pic>
+    </p:spTree>
+  </p:cSld>
+  <p:clrMapOvr>
+    <a:masterClrMapping/>
+  </p:clrMapOvr>
+</p:sld>
+</file>
+
+<file path=ppt/slides/slide7.xml><?xml version="1.0" encoding="utf-8"?>
+<p:sld xmlns:a="http://schemas.openxmlformats.org/drawingml/2006/main" xmlns:r="http://schemas.openxmlformats.org/officeDocument/2006/relationships" xmlns:mc="http://schemas.openxmlformats.org/markup-compatibility/2006" xmlns:mv="urn:schemas-microsoft-com:mac:vml" xmlns:p="http://schemas.openxmlformats.org/presentationml/2006/main" xmlns:c="http://schemas.openxmlformats.org/drawingml/2006/chart" xmlns:dgm="http://schemas.openxmlformats.org/drawingml/2006/diagram" xmlns:o="urn:schemas-microsoft-com:office:office" xmlns:v="urn:schemas-microsoft-com:vml" xmlns:pvml="urn:schemas-microsoft-com:office:powerpoint" xmlns:com="http://schemas.openxmlformats.org/drawingml/2006/compatibility" xmlns:p14="http://schemas.microsoft.com/office/powerpoint/2010/main" xmlns:p15="http://schemas.microsoft.com/office/powerpoint/2012/main">
+  <p:cSld>
+    <p:spTree>
+      <p:nvGrpSpPr>
+        <p:cNvPr id="93" name="Shape 93"/>
+        <p:cNvGrpSpPr/>
+        <p:nvPr/>
+      </p:nvGrpSpPr>
+      <p:grpSpPr>
+        <a:xfrm>
+          <a:off x="0" y="0"/>
+          <a:ext cx="0" cy="0"/>
+          <a:chOff x="0" y="0"/>
+          <a:chExt cx="0" cy="0"/>
+        </a:xfrm>
+      </p:grpSpPr>
+      <p:pic>
+        <p:nvPicPr>
+          <p:cNvPr id="94" name="Google Shape;94;p19"/>
+          <p:cNvPicPr preferRelativeResize="0"/>
+          <p:nvPr/>
+        </p:nvPicPr>
+        <p:blipFill>
+          <a:blip r:embed="rId3">
+            <a:alphaModFix/>
+          </a:blip>
+          <a:stretch>
+            <a:fillRect/>
+          </a:stretch>
+        </p:blipFill>
+        <p:spPr>
+          <a:xfrm>
             <a:off x="553496" y="152400"/>
             <a:ext cx="8037008" cy="4838700"/>
           </a:xfrm>
@@ -8348,7 +8800,7 @@
       </p:pic>
       <p:pic>
         <p:nvPicPr>
-          <p:cNvPr id="89" name="Google Shape;89;p18"/>
+          <p:cNvPr id="95" name="Google Shape;95;p19"/>
           <p:cNvPicPr preferRelativeResize="0"/>
           <p:nvPr/>
         </p:nvPicPr>
@@ -8376,7 +8828,7 @@
       </p:pic>
       <p:sp>
         <p:nvSpPr>
-          <p:cNvPr id="90" name="Google Shape;90;p18"/>
+          <p:cNvPr id="96" name="Google Shape;96;p19"/>
           <p:cNvSpPr txBox="1"/>
           <p:nvPr/>
         </p:nvSpPr>
@@ -8496,93 +8948,6 @@
           </a:p>
         </p:txBody>
       </p:sp>
-    </p:spTree>
-  </p:cSld>
-  <p:clrMapOvr>
-    <a:masterClrMapping/>
-  </p:clrMapOvr>
-</p:sld>
-</file>
-
-<file path=ppt/slides/slide7.xml><?xml version="1.0" encoding="utf-8"?>
-<p:sld xmlns:a="http://schemas.openxmlformats.org/drawingml/2006/main" xmlns:r="http://schemas.openxmlformats.org/officeDocument/2006/relationships" xmlns:mc="http://schemas.openxmlformats.org/markup-compatibility/2006" xmlns:mv="urn:schemas-microsoft-com:mac:vml" xmlns:p="http://schemas.openxmlformats.org/presentationml/2006/main" xmlns:c="http://schemas.openxmlformats.org/drawingml/2006/chart" xmlns:dgm="http://schemas.openxmlformats.org/drawingml/2006/diagram" xmlns:o="urn:schemas-microsoft-com:office:office" xmlns:v="urn:schemas-microsoft-com:vml" xmlns:pvml="urn:schemas-microsoft-com:office:powerpoint" xmlns:com="http://schemas.openxmlformats.org/drawingml/2006/compatibility" xmlns:p14="http://schemas.microsoft.com/office/powerpoint/2010/main" xmlns:p15="http://schemas.microsoft.com/office/powerpoint/2012/main">
-  <p:cSld>
-    <p:spTree>
-      <p:nvGrpSpPr>
-        <p:cNvPr id="94" name="Shape 94"/>
-        <p:cNvGrpSpPr/>
-        <p:nvPr/>
-      </p:nvGrpSpPr>
-      <p:grpSpPr>
-        <a:xfrm>
-          <a:off x="0" y="0"/>
-          <a:ext cx="0" cy="0"/>
-          <a:chOff x="0" y="0"/>
-          <a:chExt cx="0" cy="0"/>
-        </a:xfrm>
-      </p:grpSpPr>
-      <p:pic>
-        <p:nvPicPr>
-          <p:cNvPr id="95" name="Google Shape;95;p19"/>
-          <p:cNvPicPr preferRelativeResize="0"/>
-          <p:nvPr/>
-        </p:nvPicPr>
-        <p:blipFill>
-          <a:blip r:embed="rId3">
-            <a:alphaModFix/>
-          </a:blip>
-          <a:stretch>
-            <a:fillRect/>
-          </a:stretch>
-        </p:blipFill>
-        <p:spPr>
-          <a:xfrm>
-            <a:off x="152400" y="152400"/>
-            <a:ext cx="7804926" cy="4838699"/>
-          </a:xfrm>
-          <a:prstGeom prst="rect">
-            <a:avLst/>
-          </a:prstGeom>
-          <a:noFill/>
-          <a:ln>
-            <a:noFill/>
-          </a:ln>
-        </p:spPr>
-      </p:pic>
-      <p:pic>
-        <p:nvPicPr>
-          <p:cNvPr id="96" name="Google Shape;96;p19"/>
-          <p:cNvPicPr preferRelativeResize="0"/>
-          <p:nvPr/>
-        </p:nvPicPr>
-        <p:blipFill>
-          <a:blip r:embed="rId4">
-            <a:alphaModFix/>
-          </a:blip>
-          <a:stretch>
-            <a:fillRect/>
-          </a:stretch>
-        </p:blipFill>
-        <p:spPr>
-          <a:xfrm>
-            <a:off x="3638450" y="1225538"/>
-            <a:ext cx="4953000" cy="1133475"/>
-          </a:xfrm>
-          <a:prstGeom prst="rect">
-            <a:avLst/>
-          </a:prstGeom>
-          <a:noFill/>
-          <a:ln cap="flat" cmpd="sng" w="38100">
-            <a:solidFill>
-              <a:srgbClr val="FF0000"/>
-            </a:solidFill>
-            <a:prstDash val="solid"/>
-            <a:round/>
-            <a:headEnd len="sm" w="sm" type="none"/>
-            <a:tailEnd len="sm" w="sm" type="none"/>
-          </a:ln>
-        </p:spPr>
-      </p:pic>
     </p:spTree>
   </p:cSld>
   <p:clrMapOvr>
@@ -8624,6 +8989,93 @@
         </p:blipFill>
         <p:spPr>
           <a:xfrm>
+            <a:off x="152400" y="152400"/>
+            <a:ext cx="7804926" cy="4838699"/>
+          </a:xfrm>
+          <a:prstGeom prst="rect">
+            <a:avLst/>
+          </a:prstGeom>
+          <a:noFill/>
+          <a:ln>
+            <a:noFill/>
+          </a:ln>
+        </p:spPr>
+      </p:pic>
+      <p:pic>
+        <p:nvPicPr>
+          <p:cNvPr id="102" name="Google Shape;102;p20"/>
+          <p:cNvPicPr preferRelativeResize="0"/>
+          <p:nvPr/>
+        </p:nvPicPr>
+        <p:blipFill>
+          <a:blip r:embed="rId4">
+            <a:alphaModFix/>
+          </a:blip>
+          <a:stretch>
+            <a:fillRect/>
+          </a:stretch>
+        </p:blipFill>
+        <p:spPr>
+          <a:xfrm>
+            <a:off x="3638450" y="1225538"/>
+            <a:ext cx="4953000" cy="1133475"/>
+          </a:xfrm>
+          <a:prstGeom prst="rect">
+            <a:avLst/>
+          </a:prstGeom>
+          <a:noFill/>
+          <a:ln cap="flat" cmpd="sng" w="38100">
+            <a:solidFill>
+              <a:srgbClr val="FF0000"/>
+            </a:solidFill>
+            <a:prstDash val="solid"/>
+            <a:round/>
+            <a:headEnd len="sm" w="sm" type="none"/>
+            <a:tailEnd len="sm" w="sm" type="none"/>
+          </a:ln>
+        </p:spPr>
+      </p:pic>
+    </p:spTree>
+  </p:cSld>
+  <p:clrMapOvr>
+    <a:masterClrMapping/>
+  </p:clrMapOvr>
+</p:sld>
+</file>
+
+<file path=ppt/slides/slide9.xml><?xml version="1.0" encoding="utf-8"?>
+<p:sld xmlns:a="http://schemas.openxmlformats.org/drawingml/2006/main" xmlns:r="http://schemas.openxmlformats.org/officeDocument/2006/relationships" xmlns:mc="http://schemas.openxmlformats.org/markup-compatibility/2006" xmlns:mv="urn:schemas-microsoft-com:mac:vml" xmlns:p="http://schemas.openxmlformats.org/presentationml/2006/main" xmlns:c="http://schemas.openxmlformats.org/drawingml/2006/chart" xmlns:dgm="http://schemas.openxmlformats.org/drawingml/2006/diagram" xmlns:o="urn:schemas-microsoft-com:office:office" xmlns:v="urn:schemas-microsoft-com:vml" xmlns:pvml="urn:schemas-microsoft-com:office:powerpoint" xmlns:com="http://schemas.openxmlformats.org/drawingml/2006/compatibility" xmlns:p14="http://schemas.microsoft.com/office/powerpoint/2010/main" xmlns:p15="http://schemas.microsoft.com/office/powerpoint/2012/main">
+  <p:cSld>
+    <p:spTree>
+      <p:nvGrpSpPr>
+        <p:cNvPr id="106" name="Shape 106"/>
+        <p:cNvGrpSpPr/>
+        <p:nvPr/>
+      </p:nvGrpSpPr>
+      <p:grpSpPr>
+        <a:xfrm>
+          <a:off x="0" y="0"/>
+          <a:ext cx="0" cy="0"/>
+          <a:chOff x="0" y="0"/>
+          <a:chExt cx="0" cy="0"/>
+        </a:xfrm>
+      </p:grpSpPr>
+      <p:pic>
+        <p:nvPicPr>
+          <p:cNvPr id="107" name="Google Shape;107;p21"/>
+          <p:cNvPicPr preferRelativeResize="0"/>
+          <p:nvPr/>
+        </p:nvPicPr>
+        <p:blipFill>
+          <a:blip r:embed="rId3">
+            <a:alphaModFix/>
+          </a:blip>
+          <a:stretch>
+            <a:fillRect/>
+          </a:stretch>
+        </p:blipFill>
+        <p:spPr>
+          <a:xfrm>
             <a:off x="553496" y="152400"/>
             <a:ext cx="8037008" cy="4838700"/>
           </a:xfrm>
@@ -8638,7 +9090,7 @@
       </p:pic>
       <p:pic>
         <p:nvPicPr>
-          <p:cNvPr id="102" name="Google Shape;102;p20"/>
+          <p:cNvPr id="108" name="Google Shape;108;p21"/>
           <p:cNvPicPr preferRelativeResize="0"/>
           <p:nvPr/>
         </p:nvPicPr>
@@ -8666,7 +9118,7 @@
       </p:pic>
       <p:sp>
         <p:nvSpPr>
-          <p:cNvPr id="103" name="Google Shape;103;p20"/>
+          <p:cNvPr id="109" name="Google Shape;109;p21"/>
           <p:cNvSpPr/>
           <p:nvPr/>
         </p:nvSpPr>
@@ -8719,216 +9171,286 @@
 </p:sld>
 </file>
 
-<file path=ppt/slides/slide9.xml><?xml version="1.0" encoding="utf-8"?>
-<p:sld xmlns:a="http://schemas.openxmlformats.org/drawingml/2006/main" xmlns:r="http://schemas.openxmlformats.org/officeDocument/2006/relationships" xmlns:mc="http://schemas.openxmlformats.org/markup-compatibility/2006" xmlns:mv="urn:schemas-microsoft-com:mac:vml" xmlns:p="http://schemas.openxmlformats.org/presentationml/2006/main" xmlns:c="http://schemas.openxmlformats.org/drawingml/2006/chart" xmlns:dgm="http://schemas.openxmlformats.org/drawingml/2006/diagram" xmlns:o="urn:schemas-microsoft-com:office:office" xmlns:v="urn:schemas-microsoft-com:vml" xmlns:pvml="urn:schemas-microsoft-com:office:powerpoint" xmlns:com="http://schemas.openxmlformats.org/drawingml/2006/compatibility" xmlns:p14="http://schemas.microsoft.com/office/powerpoint/2010/main" xmlns:p15="http://schemas.microsoft.com/office/powerpoint/2012/main">
-  <p:cSld>
-    <p:spTree>
-      <p:nvGrpSpPr>
-        <p:cNvPr id="107" name="Shape 107"/>
-        <p:cNvGrpSpPr/>
-        <p:nvPr/>
-      </p:nvGrpSpPr>
-      <p:grpSpPr>
-        <a:xfrm>
-          <a:off x="0" y="0"/>
-          <a:ext cx="0" cy="0"/>
-          <a:chOff x="0" y="0"/>
-          <a:chExt cx="0" cy="0"/>
-        </a:xfrm>
-      </p:grpSpPr>
-      <p:pic>
-        <p:nvPicPr>
-          <p:cNvPr id="108" name="Google Shape;108;p21"/>
-          <p:cNvPicPr preferRelativeResize="0"/>
-          <p:nvPr/>
-        </p:nvPicPr>
-        <p:blipFill>
-          <a:blip r:embed="rId3">
-            <a:alphaModFix/>
-          </a:blip>
-          <a:stretch>
-            <a:fillRect/>
-          </a:stretch>
-        </p:blipFill>
-        <p:spPr>
-          <a:xfrm>
-            <a:off x="3143250" y="1414463"/>
-            <a:ext cx="2857500" cy="2314575"/>
-          </a:xfrm>
-          <a:prstGeom prst="rect">
-            <a:avLst/>
-          </a:prstGeom>
-          <a:noFill/>
-          <a:ln>
-            <a:noFill/>
-          </a:ln>
-        </p:spPr>
-      </p:pic>
-      <p:sp>
-        <p:nvSpPr>
-          <p:cNvPr id="109" name="Google Shape;109;p21"/>
-          <p:cNvSpPr/>
-          <p:nvPr/>
-        </p:nvSpPr>
-        <p:spPr>
-          <a:xfrm rot="2700000">
-            <a:off x="4290973" y="1652542"/>
-            <a:ext cx="109036" cy="531603"/>
-          </a:xfrm>
-          <a:prstGeom prst="downArrow">
-            <a:avLst>
-              <a:gd fmla="val 50000" name="adj1"/>
-              <a:gd fmla="val 50000" name="adj2"/>
-            </a:avLst>
-          </a:prstGeom>
+<file path=ppt/theme/theme1.xml><?xml version="1.0" encoding="utf-8"?>
+<a:theme xmlns:a="http://schemas.openxmlformats.org/drawingml/2006/main" xmlns:r="http://schemas.openxmlformats.org/officeDocument/2006/relationships" name="Slate">
+  <a:themeElements>
+    <a:clrScheme name="Slate">
+      <a:dk1>
+        <a:srgbClr val="FFFFFF"/>
+      </a:dk1>
+      <a:lt1>
+        <a:srgbClr val="37474F"/>
+      </a:lt1>
+      <a:dk2>
+        <a:srgbClr val="9E9E9E"/>
+      </a:dk2>
+      <a:lt2>
+        <a:srgbClr val="E0E0E0"/>
+      </a:lt2>
+      <a:accent1>
+        <a:srgbClr val="616161"/>
+      </a:accent1>
+      <a:accent2>
+        <a:srgbClr val="78909C"/>
+      </a:accent2>
+      <a:accent3>
+        <a:srgbClr val="CACACA"/>
+      </a:accent3>
+      <a:accent4>
+        <a:srgbClr val="64FFDA"/>
+      </a:accent4>
+      <a:accent5>
+        <a:srgbClr val="FFD966"/>
+      </a:accent5>
+      <a:accent6>
+        <a:srgbClr val="F5F5F5"/>
+      </a:accent6>
+      <a:hlink>
+        <a:srgbClr val="FFD966"/>
+      </a:hlink>
+      <a:folHlink>
+        <a:srgbClr val="FFD966"/>
+      </a:folHlink>
+    </a:clrScheme>
+    <a:fontScheme name="Office">
+      <a:majorFont>
+        <a:latin typeface="Arial"/>
+        <a:ea typeface=""/>
+        <a:cs typeface=""/>
+        <a:font script="Jpan" typeface="ＭＳ Ｐゴシック"/>
+        <a:font script="Hang" typeface="맑은 고딕"/>
+        <a:font script="Hans" typeface="宋体"/>
+        <a:font script="Hant" typeface="新細明體"/>
+        <a:font script="Arab" typeface="Times New Roman"/>
+        <a:font script="Hebr" typeface="Times New Roman"/>
+        <a:font script="Thai" typeface="Angsana New"/>
+        <a:font script="Ethi" typeface="Nyala"/>
+        <a:font script="Beng" typeface="Vrinda"/>
+        <a:font script="Gujr" typeface="Shruti"/>
+        <a:font script="Khmr" typeface="MoolBoran"/>
+        <a:font script="Knda" typeface="Tunga"/>
+        <a:font script="Guru" typeface="Raavi"/>
+        <a:font script="Cans" typeface="Euphemia"/>
+        <a:font script="Cher" typeface="Plantagenet Cherokee"/>
+        <a:font script="Yiii" typeface="Microsoft Yi Baiti"/>
+        <a:font script="Tibt" typeface="Microsoft Himalaya"/>
+        <a:font script="Thaa" typeface="MV Boli"/>
+        <a:font script="Deva" typeface="Mangal"/>
+        <a:font script="Telu" typeface="Gautami"/>
+        <a:font script="Taml" typeface="Latha"/>
+        <a:font script="Syrc" typeface="Estrangelo Edessa"/>
+        <a:font script="Orya" typeface="Kalinga"/>
+        <a:font script="Mlym" typeface="Kartika"/>
+        <a:font script="Laoo" typeface="DokChampa"/>
+        <a:font script="Sinh" typeface="Iskoola Pota"/>
+        <a:font script="Mong" typeface="Mongolian Baiti"/>
+        <a:font script="Viet" typeface="Times New Roman"/>
+        <a:font script="Uigh" typeface="Microsoft Uighur"/>
+        <a:font script="Geor" typeface="Sylfaen"/>
+      </a:majorFont>
+      <a:minorFont>
+        <a:latin typeface="Arial"/>
+        <a:ea typeface=""/>
+        <a:cs typeface=""/>
+        <a:font script="Jpan" typeface="ＭＳ Ｐゴシック"/>
+        <a:font script="Hang" typeface="맑은 고딕"/>
+        <a:font script="Hans" typeface="宋体"/>
+        <a:font script="Hant" typeface="新細明體"/>
+        <a:font script="Arab" typeface="Arial"/>
+        <a:font script="Hebr" typeface="Arial"/>
+        <a:font script="Thai" typeface="Cordia New"/>
+        <a:font script="Ethi" typeface="Nyala"/>
+        <a:font script="Beng" typeface="Vrinda"/>
+        <a:font script="Gujr" typeface="Shruti"/>
+        <a:font script="Khmr" typeface="DaunPenh"/>
+        <a:font script="Knda" typeface="Tunga"/>
+        <a:font script="Guru" typeface="Raavi"/>
+        <a:font script="Cans" typeface="Euphemia"/>
+        <a:font script="Cher" typeface="Plantagenet Cherokee"/>
+        <a:font script="Yiii" typeface="Microsoft Yi Baiti"/>
+        <a:font script="Tibt" typeface="Microsoft Himalaya"/>
+        <a:font script="Thaa" typeface="MV Boli"/>
+        <a:font script="Deva" typeface="Mangal"/>
+        <a:font script="Telu" typeface="Gautami"/>
+        <a:font script="Taml" typeface="Latha"/>
+        <a:font script="Syrc" typeface="Estrangelo Edessa"/>
+        <a:font script="Orya" typeface="Kalinga"/>
+        <a:font script="Mlym" typeface="Kartika"/>
+        <a:font script="Laoo" typeface="DokChampa"/>
+        <a:font script="Sinh" typeface="Iskoola Pota"/>
+        <a:font script="Mong" typeface="Mongolian Baiti"/>
+        <a:font script="Viet" typeface="Arial"/>
+        <a:font script="Uigh" typeface="Microsoft Uighur"/>
+        <a:font script="Geor" typeface="Sylfaen"/>
+      </a:minorFont>
+    </a:fontScheme>
+    <a:fmtScheme name="Office">
+      <a:fillStyleLst>
+        <a:solidFill>
+          <a:schemeClr val="phClr"/>
+        </a:solidFill>
+        <a:gradFill rotWithShape="1">
+          <a:gsLst>
+            <a:gs pos="0">
+              <a:schemeClr val="phClr">
+                <a:tint val="50000"/>
+                <a:satMod val="300000"/>
+              </a:schemeClr>
+            </a:gs>
+            <a:gs pos="35000">
+              <a:schemeClr val="phClr">
+                <a:tint val="37000"/>
+                <a:satMod val="300000"/>
+              </a:schemeClr>
+            </a:gs>
+            <a:gs pos="100000">
+              <a:schemeClr val="phClr">
+                <a:tint val="15000"/>
+                <a:satMod val="350000"/>
+              </a:schemeClr>
+            </a:gs>
+          </a:gsLst>
+          <a:lin ang="16200000" scaled="1"/>
+        </a:gradFill>
+        <a:gradFill rotWithShape="1">
+          <a:gsLst>
+            <a:gs pos="0">
+              <a:schemeClr val="phClr">
+                <a:tint val="100000"/>
+                <a:shade val="100000"/>
+                <a:satMod val="130000"/>
+              </a:schemeClr>
+            </a:gs>
+            <a:gs pos="100000">
+              <a:schemeClr val="phClr">
+                <a:tint val="50000"/>
+                <a:shade val="100000"/>
+                <a:satMod val="350000"/>
+              </a:schemeClr>
+            </a:gs>
+          </a:gsLst>
+          <a:lin ang="16200000" scaled="0"/>
+        </a:gradFill>
+      </a:fillStyleLst>
+      <a:lnStyleLst>
+        <a:ln w="9525" cap="flat" cmpd="sng" algn="ctr">
           <a:solidFill>
-            <a:srgbClr val="FF0000"/>
+            <a:schemeClr val="phClr">
+              <a:shade val="95000"/>
+              <a:satMod val="105000"/>
+            </a:schemeClr>
           </a:solidFill>
-          <a:ln cap="flat" cmpd="sng" w="9525">
-            <a:solidFill>
-              <a:schemeClr val="dk2"/>
-            </a:solidFill>
-            <a:prstDash val="solid"/>
-            <a:round/>
-            <a:headEnd len="sm" w="sm" type="none"/>
-            <a:tailEnd len="sm" w="sm" type="none"/>
-          </a:ln>
-        </p:spPr>
-        <p:txBody>
-          <a:bodyPr anchorCtr="0" anchor="ctr" bIns="91425" lIns="91425" spcFirstLastPara="1" rIns="91425" wrap="square" tIns="91425">
-            <a:noAutofit/>
-          </a:bodyPr>
-          <a:lstStyle/>
-          <a:p>
-            <a:pPr indent="0" lvl="0" marL="0" rtl="0" algn="l">
-              <a:spcBef>
-                <a:spcPts val="0"/>
-              </a:spcBef>
-              <a:spcAft>
-                <a:spcPts val="0"/>
-              </a:spcAft>
-              <a:buNone/>
-            </a:pPr>
-            <a:r>
-              <a:t/>
-            </a:r>
-            <a:endParaRPr/>
-          </a:p>
-        </p:txBody>
-      </p:sp>
-      <p:sp>
-        <p:nvSpPr>
-          <p:cNvPr id="110" name="Google Shape;110;p21"/>
-          <p:cNvSpPr/>
-          <p:nvPr/>
-        </p:nvSpPr>
-        <p:spPr>
-          <a:xfrm rot="-2499581">
-            <a:off x="5433498" y="1652509"/>
-            <a:ext cx="109221" cy="531608"/>
-          </a:xfrm>
-          <a:prstGeom prst="downArrow">
-            <a:avLst>
-              <a:gd fmla="val 50000" name="adj1"/>
-              <a:gd fmla="val 50000" name="adj2"/>
-            </a:avLst>
-          </a:prstGeom>
+          <a:prstDash val="solid"/>
+        </a:ln>
+        <a:ln w="25400" cap="flat" cmpd="sng" algn="ctr">
           <a:solidFill>
-            <a:srgbClr val="FF0000"/>
+            <a:schemeClr val="phClr"/>
           </a:solidFill>
-          <a:ln cap="flat" cmpd="sng" w="9525">
-            <a:solidFill>
-              <a:schemeClr val="dk2"/>
-            </a:solidFill>
-            <a:prstDash val="solid"/>
-            <a:round/>
-            <a:headEnd len="sm" w="sm" type="none"/>
-            <a:tailEnd len="sm" w="sm" type="none"/>
-          </a:ln>
-        </p:spPr>
-        <p:txBody>
-          <a:bodyPr anchorCtr="0" anchor="ctr" bIns="91425" lIns="91425" spcFirstLastPara="1" rIns="91425" wrap="square" tIns="91425">
-            <a:noAutofit/>
-          </a:bodyPr>
-          <a:lstStyle/>
-          <a:p>
-            <a:pPr indent="0" lvl="0" marL="0" rtl="0" algn="l">
-              <a:spcBef>
-                <a:spcPts val="0"/>
-              </a:spcBef>
-              <a:spcAft>
-                <a:spcPts val="0"/>
-              </a:spcAft>
-              <a:buNone/>
-            </a:pPr>
-            <a:r>
-              <a:t/>
-            </a:r>
-            <a:endParaRPr/>
-          </a:p>
-        </p:txBody>
-      </p:sp>
-      <p:sp>
-        <p:nvSpPr>
-          <p:cNvPr id="111" name="Google Shape;111;p21"/>
-          <p:cNvSpPr/>
-          <p:nvPr/>
-        </p:nvSpPr>
-        <p:spPr>
-          <a:xfrm rot="2700000">
-            <a:off x="3642548" y="2270867"/>
-            <a:ext cx="109036" cy="531603"/>
-          </a:xfrm>
-          <a:prstGeom prst="downArrow">
-            <a:avLst>
-              <a:gd fmla="val 50000" name="adj1"/>
-              <a:gd fmla="val 50000" name="adj2"/>
-            </a:avLst>
-          </a:prstGeom>
+          <a:prstDash val="solid"/>
+        </a:ln>
+        <a:ln w="38100" cap="flat" cmpd="sng" algn="ctr">
           <a:solidFill>
-            <a:srgbClr val="FF0000"/>
+            <a:schemeClr val="phClr"/>
           </a:solidFill>
-          <a:ln cap="flat" cmpd="sng" w="9525">
-            <a:solidFill>
-              <a:schemeClr val="dk2"/>
-            </a:solidFill>
-            <a:prstDash val="solid"/>
-            <a:round/>
-            <a:headEnd len="sm" w="sm" type="none"/>
-            <a:tailEnd len="sm" w="sm" type="none"/>
-          </a:ln>
-        </p:spPr>
-        <p:txBody>
-          <a:bodyPr anchorCtr="0" anchor="ctr" bIns="91425" lIns="91425" spcFirstLastPara="1" rIns="91425" wrap="square" tIns="91425">
-            <a:noAutofit/>
-          </a:bodyPr>
-          <a:lstStyle/>
-          <a:p>
-            <a:pPr indent="0" lvl="0" marL="0" rtl="0" algn="l">
-              <a:spcBef>
-                <a:spcPts val="0"/>
-              </a:spcBef>
-              <a:spcAft>
-                <a:spcPts val="0"/>
-              </a:spcAft>
-              <a:buNone/>
-            </a:pPr>
-            <a:r>
-              <a:t/>
-            </a:r>
-            <a:endParaRPr/>
-          </a:p>
-        </p:txBody>
-      </p:sp>
-    </p:spTree>
-  </p:cSld>
-  <p:clrMapOvr>
-    <a:masterClrMapping/>
-  </p:clrMapOvr>
-</p:sld>
+          <a:prstDash val="solid"/>
+        </a:ln>
+      </a:lnStyleLst>
+      <a:effectStyleLst>
+        <a:effectStyle>
+          <a:effectLst>
+            <a:outerShdw blurRad="40000" dist="20000" dir="5400000" rotWithShape="0">
+              <a:srgbClr val="000000">
+                <a:alpha val="38000"/>
+              </a:srgbClr>
+            </a:outerShdw>
+          </a:effectLst>
+        </a:effectStyle>
+        <a:effectStyle>
+          <a:effectLst>
+            <a:outerShdw blurRad="40000" dist="23000" dir="5400000" rotWithShape="0">
+              <a:srgbClr val="000000">
+                <a:alpha val="35000"/>
+              </a:srgbClr>
+            </a:outerShdw>
+          </a:effectLst>
+        </a:effectStyle>
+        <a:effectStyle>
+          <a:effectLst>
+            <a:outerShdw blurRad="40000" dist="23000" dir="5400000" rotWithShape="0">
+              <a:srgbClr val="000000">
+                <a:alpha val="35000"/>
+              </a:srgbClr>
+            </a:outerShdw>
+          </a:effectLst>
+          <a:scene3d>
+            <a:camera prst="orthographicFront">
+              <a:rot lat="0" lon="0" rev="0"/>
+            </a:camera>
+            <a:lightRig rig="threePt" dir="t">
+              <a:rot lat="0" lon="0" rev="1200000"/>
+            </a:lightRig>
+          </a:scene3d>
+          <a:sp3d>
+            <a:bevelT w="63500" h="25400"/>
+          </a:sp3d>
+        </a:effectStyle>
+      </a:effectStyleLst>
+      <a:bgFillStyleLst>
+        <a:solidFill>
+          <a:schemeClr val="phClr"/>
+        </a:solidFill>
+        <a:gradFill rotWithShape="1">
+          <a:gsLst>
+            <a:gs pos="0">
+              <a:schemeClr val="phClr">
+                <a:tint val="40000"/>
+                <a:satMod val="350000"/>
+              </a:schemeClr>
+            </a:gs>
+            <a:gs pos="40000">
+              <a:schemeClr val="phClr">
+                <a:tint val="45000"/>
+                <a:shade val="99000"/>
+                <a:satMod val="350000"/>
+              </a:schemeClr>
+            </a:gs>
+            <a:gs pos="100000">
+              <a:schemeClr val="phClr">
+                <a:shade val="20000"/>
+                <a:satMod val="255000"/>
+              </a:schemeClr>
+            </a:gs>
+          </a:gsLst>
+          <a:path path="circle">
+            <a:fillToRect l="50000" t="-80000" r="50000" b="180000"/>
+          </a:path>
+        </a:gradFill>
+        <a:gradFill rotWithShape="1">
+          <a:gsLst>
+            <a:gs pos="0">
+              <a:schemeClr val="phClr">
+                <a:tint val="80000"/>
+                <a:satMod val="300000"/>
+              </a:schemeClr>
+            </a:gs>
+            <a:gs pos="100000">
+              <a:schemeClr val="phClr">
+                <a:shade val="30000"/>
+                <a:satMod val="200000"/>
+              </a:schemeClr>
+            </a:gs>
+          </a:gsLst>
+          <a:path path="circle">
+            <a:fillToRect l="50000" t="50000" r="50000" b="50000"/>
+          </a:path>
+        </a:gradFill>
+      </a:bgFillStyleLst>
+    </a:fmtScheme>
+  </a:themeElements>
+</a:theme>
 </file>
 
-<file path=ppt/theme/theme1.xml><?xml version="1.0" encoding="utf-8"?>
+<file path=ppt/theme/theme2.xml><?xml version="1.0" encoding="utf-8"?>
 <a:theme xmlns:a="http://schemas.openxmlformats.org/drawingml/2006/main" xmlns:r="http://schemas.openxmlformats.org/officeDocument/2006/relationships">
   <a:themeElements>
     <a:clrScheme name="Default">
@@ -9205,283 +9727,4 @@
     </a:fmtScheme>
   </a:themeElements>
 </a:theme>
-</file>
-
-<file path=ppt/theme/theme2.xml><?xml version="1.0" encoding="utf-8"?>
-<a:theme xmlns:a="http://schemas.openxmlformats.org/drawingml/2006/main" xmlns:r="http://schemas.openxmlformats.org/officeDocument/2006/relationships" name="Slate">
-  <a:themeElements>
-    <a:clrScheme name="Slate">
-      <a:dk1>
-        <a:srgbClr val="FFFFFF"/>
-      </a:dk1>
-      <a:lt1>
-        <a:srgbClr val="37474F"/>
-      </a:lt1>
-      <a:dk2>
-        <a:srgbClr val="9E9E9E"/>
-      </a:dk2>
-      <a:lt2>
-        <a:srgbClr val="E0E0E0"/>
-      </a:lt2>
-      <a:accent1>
-        <a:srgbClr val="616161"/>
-      </a:accent1>
-      <a:accent2>
-        <a:srgbClr val="78909C"/>
-      </a:accent2>
-      <a:accent3>
-        <a:srgbClr val="CACACA"/>
-      </a:accent3>
-      <a:accent4>
-        <a:srgbClr val="64FFDA"/>
-      </a:accent4>
-      <a:accent5>
-        <a:srgbClr val="FFD966"/>
-      </a:accent5>
-      <a:accent6>
-        <a:srgbClr val="F5F5F5"/>
-      </a:accent6>
-      <a:hlink>
-        <a:srgbClr val="FFD966"/>
-      </a:hlink>
-      <a:folHlink>
-        <a:srgbClr val="FFD966"/>
-      </a:folHlink>
-    </a:clrScheme>
-    <a:fontScheme name="Office">
-      <a:majorFont>
-        <a:latin typeface="Arial"/>
-        <a:ea typeface=""/>
-        <a:cs typeface=""/>
-        <a:font script="Jpan" typeface="ＭＳ Ｐゴシック"/>
-        <a:font script="Hang" typeface="맑은 고딕"/>
-        <a:font script="Hans" typeface="宋体"/>
-        <a:font script="Hant" typeface="新細明體"/>
-        <a:font script="Arab" typeface="Times New Roman"/>
-        <a:font script="Hebr" typeface="Times New Roman"/>
-        <a:font script="Thai" typeface="Angsana New"/>
-        <a:font script="Ethi" typeface="Nyala"/>
-        <a:font script="Beng" typeface="Vrinda"/>
-        <a:font script="Gujr" typeface="Shruti"/>
-        <a:font script="Khmr" typeface="MoolBoran"/>
-        <a:font script="Knda" typeface="Tunga"/>
-        <a:font script="Guru" typeface="Raavi"/>
-        <a:font script="Cans" typeface="Euphemia"/>
-        <a:font script="Cher" typeface="Plantagenet Cherokee"/>
-        <a:font script="Yiii" typeface="Microsoft Yi Baiti"/>
-        <a:font script="Tibt" typeface="Microsoft Himalaya"/>
-        <a:font script="Thaa" typeface="MV Boli"/>
-        <a:font script="Deva" typeface="Mangal"/>
-        <a:font script="Telu" typeface="Gautami"/>
-        <a:font script="Taml" typeface="Latha"/>
-        <a:font script="Syrc" typeface="Estrangelo Edessa"/>
-        <a:font script="Orya" typeface="Kalinga"/>
-        <a:font script="Mlym" typeface="Kartika"/>
-        <a:font script="Laoo" typeface="DokChampa"/>
-        <a:font script="Sinh" typeface="Iskoola Pota"/>
-        <a:font script="Mong" typeface="Mongolian Baiti"/>
-        <a:font script="Viet" typeface="Times New Roman"/>
-        <a:font script="Uigh" typeface="Microsoft Uighur"/>
-        <a:font script="Geor" typeface="Sylfaen"/>
-      </a:majorFont>
-      <a:minorFont>
-        <a:latin typeface="Arial"/>
-        <a:ea typeface=""/>
-        <a:cs typeface=""/>
-        <a:font script="Jpan" typeface="ＭＳ Ｐゴシック"/>
-        <a:font script="Hang" typeface="맑은 고딕"/>
-        <a:font script="Hans" typeface="宋体"/>
-        <a:font script="Hant" typeface="新細明體"/>
-        <a:font script="Arab" typeface="Arial"/>
-        <a:font script="Hebr" typeface="Arial"/>
-        <a:font script="Thai" typeface="Cordia New"/>
-        <a:font script="Ethi" typeface="Nyala"/>
-        <a:font script="Beng" typeface="Vrinda"/>
-        <a:font script="Gujr" typeface="Shruti"/>
-        <a:font script="Khmr" typeface="DaunPenh"/>
-        <a:font script="Knda" typeface="Tunga"/>
-        <a:font script="Guru" typeface="Raavi"/>
-        <a:font script="Cans" typeface="Euphemia"/>
-        <a:font script="Cher" typeface="Plantagenet Cherokee"/>
-        <a:font script="Yiii" typeface="Microsoft Yi Baiti"/>
-        <a:font script="Tibt" typeface="Microsoft Himalaya"/>
-        <a:font script="Thaa" typeface="MV Boli"/>
-        <a:font script="Deva" typeface="Mangal"/>
-        <a:font script="Telu" typeface="Gautami"/>
-        <a:font script="Taml" typeface="Latha"/>
-        <a:font script="Syrc" typeface="Estrangelo Edessa"/>
-        <a:font script="Orya" typeface="Kalinga"/>
-        <a:font script="Mlym" typeface="Kartika"/>
-        <a:font script="Laoo" typeface="DokChampa"/>
-        <a:font script="Sinh" typeface="Iskoola Pota"/>
-        <a:font script="Mong" typeface="Mongolian Baiti"/>
-        <a:font script="Viet" typeface="Arial"/>
-        <a:font script="Uigh" typeface="Microsoft Uighur"/>
-        <a:font script="Geor" typeface="Sylfaen"/>
-      </a:minorFont>
-    </a:fontScheme>
-    <a:fmtScheme name="Office">
-      <a:fillStyleLst>
-        <a:solidFill>
-          <a:schemeClr val="phClr"/>
-        </a:solidFill>
-        <a:gradFill rotWithShape="1">
-          <a:gsLst>
-            <a:gs pos="0">
-              <a:schemeClr val="phClr">
-                <a:tint val="50000"/>
-                <a:satMod val="300000"/>
-              </a:schemeClr>
-            </a:gs>
-            <a:gs pos="35000">
-              <a:schemeClr val="phClr">
-                <a:tint val="37000"/>
-                <a:satMod val="300000"/>
-              </a:schemeClr>
-            </a:gs>
-            <a:gs pos="100000">
-              <a:schemeClr val="phClr">
-                <a:tint val="15000"/>
-                <a:satMod val="350000"/>
-              </a:schemeClr>
-            </a:gs>
-          </a:gsLst>
-          <a:lin ang="16200000" scaled="1"/>
-        </a:gradFill>
-        <a:gradFill rotWithShape="1">
-          <a:gsLst>
-            <a:gs pos="0">
-              <a:schemeClr val="phClr">
-                <a:tint val="100000"/>
-                <a:shade val="100000"/>
-                <a:satMod val="130000"/>
-              </a:schemeClr>
-            </a:gs>
-            <a:gs pos="100000">
-              <a:schemeClr val="phClr">
-                <a:tint val="50000"/>
-                <a:shade val="100000"/>
-                <a:satMod val="350000"/>
-              </a:schemeClr>
-            </a:gs>
-          </a:gsLst>
-          <a:lin ang="16200000" scaled="0"/>
-        </a:gradFill>
-      </a:fillStyleLst>
-      <a:lnStyleLst>
-        <a:ln w="9525" cap="flat" cmpd="sng" algn="ctr">
-          <a:solidFill>
-            <a:schemeClr val="phClr">
-              <a:shade val="95000"/>
-              <a:satMod val="105000"/>
-            </a:schemeClr>
-          </a:solidFill>
-          <a:prstDash val="solid"/>
-        </a:ln>
-        <a:ln w="25400" cap="flat" cmpd="sng" algn="ctr">
-          <a:solidFill>
-            <a:schemeClr val="phClr"/>
-          </a:solidFill>
-          <a:prstDash val="solid"/>
-        </a:ln>
-        <a:ln w="38100" cap="flat" cmpd="sng" algn="ctr">
-          <a:solidFill>
-            <a:schemeClr val="phClr"/>
-          </a:solidFill>
-          <a:prstDash val="solid"/>
-        </a:ln>
-      </a:lnStyleLst>
-      <a:effectStyleLst>
-        <a:effectStyle>
-          <a:effectLst>
-            <a:outerShdw blurRad="40000" dist="20000" dir="5400000" rotWithShape="0">
-              <a:srgbClr val="000000">
-                <a:alpha val="38000"/>
-              </a:srgbClr>
-            </a:outerShdw>
-          </a:effectLst>
-        </a:effectStyle>
-        <a:effectStyle>
-          <a:effectLst>
-            <a:outerShdw blurRad="40000" dist="23000" dir="5400000" rotWithShape="0">
-              <a:srgbClr val="000000">
-                <a:alpha val="35000"/>
-              </a:srgbClr>
-            </a:outerShdw>
-          </a:effectLst>
-        </a:effectStyle>
-        <a:effectStyle>
-          <a:effectLst>
-            <a:outerShdw blurRad="40000" dist="23000" dir="5400000" rotWithShape="0">
-              <a:srgbClr val="000000">
-                <a:alpha val="35000"/>
-              </a:srgbClr>
-            </a:outerShdw>
-          </a:effectLst>
-          <a:scene3d>
-            <a:camera prst="orthographicFront">
-              <a:rot lat="0" lon="0" rev="0"/>
-            </a:camera>
-            <a:lightRig rig="threePt" dir="t">
-              <a:rot lat="0" lon="0" rev="1200000"/>
-            </a:lightRig>
-          </a:scene3d>
-          <a:sp3d>
-            <a:bevelT w="63500" h="25400"/>
-          </a:sp3d>
-        </a:effectStyle>
-      </a:effectStyleLst>
-      <a:bgFillStyleLst>
-        <a:solidFill>
-          <a:schemeClr val="phClr"/>
-        </a:solidFill>
-        <a:gradFill rotWithShape="1">
-          <a:gsLst>
-            <a:gs pos="0">
-              <a:schemeClr val="phClr">
-                <a:tint val="40000"/>
-                <a:satMod val="350000"/>
-              </a:schemeClr>
-            </a:gs>
-            <a:gs pos="40000">
-              <a:schemeClr val="phClr">
-                <a:tint val="45000"/>
-                <a:shade val="99000"/>
-                <a:satMod val="350000"/>
-              </a:schemeClr>
-            </a:gs>
-            <a:gs pos="100000">
-              <a:schemeClr val="phClr">
-                <a:shade val="20000"/>
-                <a:satMod val="255000"/>
-              </a:schemeClr>
-            </a:gs>
-          </a:gsLst>
-          <a:path path="circle">
-            <a:fillToRect l="50000" t="-80000" r="50000" b="180000"/>
-          </a:path>
-        </a:gradFill>
-        <a:gradFill rotWithShape="1">
-          <a:gsLst>
-            <a:gs pos="0">
-              <a:schemeClr val="phClr">
-                <a:tint val="80000"/>
-                <a:satMod val="300000"/>
-              </a:schemeClr>
-            </a:gs>
-            <a:gs pos="100000">
-              <a:schemeClr val="phClr">
-                <a:shade val="30000"/>
-                <a:satMod val="200000"/>
-              </a:schemeClr>
-            </a:gs>
-          </a:gsLst>
-          <a:path path="circle">
-            <a:fillToRect l="50000" t="50000" r="50000" b="50000"/>
-          </a:path>
-        </a:gradFill>
-      </a:bgFillStyleLst>
-    </a:fmtScheme>
-  </a:themeElements>
-</a:theme>
 </file>